--- a/Machine Learning.pptx
+++ b/Machine Learning.pptx
@@ -8,6 +8,7 @@
     <p:sldId id="256" r:id="rId2"/>
     <p:sldId id="257" r:id="rId3"/>
     <p:sldId id="258" r:id="rId4"/>
+    <p:sldId id="259" r:id="rId5"/>
   </p:sldIdLst>
   <p:sldSz cx="12192000" cy="6858000"/>
   <p:notesSz cx="6858000" cy="9144000"/>
@@ -106,6 +107,11 @@
       </a:defRPr>
     </a:lvl9pPr>
   </p:defaultTextStyle>
+  <p:extLst>
+    <p:ext uri="{EFAFB233-063F-42B5-8137-9DF3F51BA10A}">
+      <p15:sldGuideLst xmlns:p15="http://schemas.microsoft.com/office/powerpoint/2012/main"/>
+    </p:ext>
+  </p:extLst>
 </p:presentation>
 </file>
 
@@ -258,7 +264,7 @@
           <a:p>
             <a:fld id="{BE353601-8415-4344-AC41-0926F3B424CF}" type="datetimeFigureOut">
               <a:rPr lang="en-MY" smtClean="0"/>
-              <a:t>13/5/2025</a:t>
+              <a:t>3/7/2025</a:t>
             </a:fld>
             <a:endParaRPr lang="en-MY"/>
           </a:p>
@@ -458,7 +464,7 @@
           <a:p>
             <a:fld id="{BE353601-8415-4344-AC41-0926F3B424CF}" type="datetimeFigureOut">
               <a:rPr lang="en-MY" smtClean="0"/>
-              <a:t>13/5/2025</a:t>
+              <a:t>3/7/2025</a:t>
             </a:fld>
             <a:endParaRPr lang="en-MY"/>
           </a:p>
@@ -668,7 +674,7 @@
           <a:p>
             <a:fld id="{BE353601-8415-4344-AC41-0926F3B424CF}" type="datetimeFigureOut">
               <a:rPr lang="en-MY" smtClean="0"/>
-              <a:t>13/5/2025</a:t>
+              <a:t>3/7/2025</a:t>
             </a:fld>
             <a:endParaRPr lang="en-MY"/>
           </a:p>
@@ -868,7 +874,7 @@
           <a:p>
             <a:fld id="{BE353601-8415-4344-AC41-0926F3B424CF}" type="datetimeFigureOut">
               <a:rPr lang="en-MY" smtClean="0"/>
-              <a:t>13/5/2025</a:t>
+              <a:t>3/7/2025</a:t>
             </a:fld>
             <a:endParaRPr lang="en-MY"/>
           </a:p>
@@ -1144,7 +1150,7 @@
           <a:p>
             <a:fld id="{BE353601-8415-4344-AC41-0926F3B424CF}" type="datetimeFigureOut">
               <a:rPr lang="en-MY" smtClean="0"/>
-              <a:t>13/5/2025</a:t>
+              <a:t>3/7/2025</a:t>
             </a:fld>
             <a:endParaRPr lang="en-MY"/>
           </a:p>
@@ -1412,7 +1418,7 @@
           <a:p>
             <a:fld id="{BE353601-8415-4344-AC41-0926F3B424CF}" type="datetimeFigureOut">
               <a:rPr lang="en-MY" smtClean="0"/>
-              <a:t>13/5/2025</a:t>
+              <a:t>3/7/2025</a:t>
             </a:fld>
             <a:endParaRPr lang="en-MY"/>
           </a:p>
@@ -1827,7 +1833,7 @@
           <a:p>
             <a:fld id="{BE353601-8415-4344-AC41-0926F3B424CF}" type="datetimeFigureOut">
               <a:rPr lang="en-MY" smtClean="0"/>
-              <a:t>13/5/2025</a:t>
+              <a:t>3/7/2025</a:t>
             </a:fld>
             <a:endParaRPr lang="en-MY"/>
           </a:p>
@@ -1969,7 +1975,7 @@
           <a:p>
             <a:fld id="{BE353601-8415-4344-AC41-0926F3B424CF}" type="datetimeFigureOut">
               <a:rPr lang="en-MY" smtClean="0"/>
-              <a:t>13/5/2025</a:t>
+              <a:t>3/7/2025</a:t>
             </a:fld>
             <a:endParaRPr lang="en-MY"/>
           </a:p>
@@ -2082,7 +2088,7 @@
           <a:p>
             <a:fld id="{BE353601-8415-4344-AC41-0926F3B424CF}" type="datetimeFigureOut">
               <a:rPr lang="en-MY" smtClean="0"/>
-              <a:t>13/5/2025</a:t>
+              <a:t>3/7/2025</a:t>
             </a:fld>
             <a:endParaRPr lang="en-MY"/>
           </a:p>
@@ -2395,7 +2401,7 @@
           <a:p>
             <a:fld id="{BE353601-8415-4344-AC41-0926F3B424CF}" type="datetimeFigureOut">
               <a:rPr lang="en-MY" smtClean="0"/>
-              <a:t>13/5/2025</a:t>
+              <a:t>3/7/2025</a:t>
             </a:fld>
             <a:endParaRPr lang="en-MY"/>
           </a:p>
@@ -2684,7 +2690,7 @@
           <a:p>
             <a:fld id="{BE353601-8415-4344-AC41-0926F3B424CF}" type="datetimeFigureOut">
               <a:rPr lang="en-MY" smtClean="0"/>
-              <a:t>13/5/2025</a:t>
+              <a:t>3/7/2025</a:t>
             </a:fld>
             <a:endParaRPr lang="en-MY"/>
           </a:p>
@@ -2927,7 +2933,7 @@
           <a:p>
             <a:fld id="{BE353601-8415-4344-AC41-0926F3B424CF}" type="datetimeFigureOut">
               <a:rPr lang="en-MY" smtClean="0"/>
-              <a:t>13/5/2025</a:t>
+              <a:t>3/7/2025</a:t>
             </a:fld>
             <a:endParaRPr lang="en-MY"/>
           </a:p>
@@ -3346,51 +3352,162 @@
       </p:grpSpPr>
       <p:sp>
         <p:nvSpPr>
-          <p:cNvPr id="2" name="Title 1">
-            <a:extLst>
-              <a:ext uri="{FF2B5EF4-FFF2-40B4-BE49-F238E27FC236}">
-                <a16:creationId xmlns:a16="http://schemas.microsoft.com/office/drawing/2014/main" id="{CF58176A-9844-3361-C414-D2D6EC07D6D3}"/>
-              </a:ext>
-            </a:extLst>
-          </p:cNvPr>
-          <p:cNvSpPr>
-            <a:spLocks noGrp="1"/>
-          </p:cNvSpPr>
-          <p:nvPr>
-            <p:ph type="ctrTitle"/>
-          </p:nvPr>
-        </p:nvSpPr>
-        <p:spPr/>
-        <p:txBody>
-          <a:bodyPr/>
-          <a:lstStyle/>
-          <a:p>
-            <a:endParaRPr lang="en-MY"/>
-          </a:p>
-        </p:txBody>
-      </p:sp>
-      <p:sp>
-        <p:nvSpPr>
-          <p:cNvPr id="3" name="Subtitle 2">
-            <a:extLst>
-              <a:ext uri="{FF2B5EF4-FFF2-40B4-BE49-F238E27FC236}">
-                <a16:creationId xmlns:a16="http://schemas.microsoft.com/office/drawing/2014/main" id="{CB5B75A1-6516-105E-51B7-2B6AC8FCC774}"/>
-              </a:ext>
-            </a:extLst>
-          </p:cNvPr>
-          <p:cNvSpPr>
-            <a:spLocks noGrp="1"/>
-          </p:cNvSpPr>
-          <p:nvPr>
-            <p:ph type="subTitle" idx="1"/>
-          </p:nvPr>
-        </p:nvSpPr>
-        <p:spPr/>
-        <p:txBody>
-          <a:bodyPr/>
-          <a:lstStyle/>
-          <a:p>
-            <a:endParaRPr lang="en-MY"/>
+          <p:cNvPr id="4" name="TextBox 3">
+            <a:extLst>
+              <a:ext uri="{FF2B5EF4-FFF2-40B4-BE49-F238E27FC236}">
+                <a16:creationId xmlns:a16="http://schemas.microsoft.com/office/drawing/2014/main" id="{684242C9-7234-6217-0138-4322184FCB15}"/>
+              </a:ext>
+            </a:extLst>
+          </p:cNvPr>
+          <p:cNvSpPr txBox="1"/>
+          <p:nvPr/>
+        </p:nvSpPr>
+        <p:spPr>
+          <a:xfrm>
+            <a:off x="0" y="2228671"/>
+            <a:ext cx="4943475" cy="1477328"/>
+          </a:xfrm>
+          <a:prstGeom prst="rect">
+            <a:avLst/>
+          </a:prstGeom>
+          <a:noFill/>
+        </p:spPr>
+        <p:txBody>
+          <a:bodyPr wrap="square" rtlCol="0">
+            <a:spAutoFit/>
+          </a:bodyPr>
+          <a:lstStyle/>
+          <a:p>
+            <a:r>
+              <a:rPr lang="en-US" dirty="0"/>
+              <a:t>Python Environment: </a:t>
+            </a:r>
+          </a:p>
+          <a:p>
+            <a:r>
+              <a:rPr lang="en-US" dirty="0"/>
+              <a:t>Use Python 3.11.4</a:t>
+            </a:r>
+          </a:p>
+          <a:p>
+            <a:r>
+              <a:rPr lang="en-MY" dirty="0">
+                <a:hlinkClick r:id="rId2"/>
+              </a:rPr>
+              <a:t>https://www.python.org/downloads/release/python-3114/</a:t>
+            </a:r>
+            <a:endParaRPr lang="en-MY" dirty="0"/>
+          </a:p>
+          <a:p>
+            <a:r>
+              <a:rPr lang="en-MY" dirty="0"/>
+              <a:t>Download “Windows installer (64-bit)”</a:t>
+            </a:r>
+          </a:p>
+        </p:txBody>
+      </p:sp>
+      <p:pic>
+        <p:nvPicPr>
+          <p:cNvPr id="6" name="Picture 5">
+            <a:extLst>
+              <a:ext uri="{FF2B5EF4-FFF2-40B4-BE49-F238E27FC236}">
+                <a16:creationId xmlns:a16="http://schemas.microsoft.com/office/drawing/2014/main" id="{93E06D2C-0F2E-DAEE-50EF-C06A3EFA7C49}"/>
+              </a:ext>
+            </a:extLst>
+          </p:cNvPr>
+          <p:cNvPicPr>
+            <a:picLocks noChangeAspect="1"/>
+          </p:cNvPicPr>
+          <p:nvPr/>
+        </p:nvPicPr>
+        <p:blipFill>
+          <a:blip r:embed="rId3"/>
+          <a:stretch>
+            <a:fillRect/>
+          </a:stretch>
+        </p:blipFill>
+        <p:spPr>
+          <a:xfrm>
+            <a:off x="5202514" y="0"/>
+            <a:ext cx="6989486" cy="6858000"/>
+          </a:xfrm>
+          <a:prstGeom prst="rect">
+            <a:avLst/>
+          </a:prstGeom>
+        </p:spPr>
+      </p:pic>
+      <p:sp>
+        <p:nvSpPr>
+          <p:cNvPr id="7" name="TextBox 6">
+            <a:extLst>
+              <a:ext uri="{FF2B5EF4-FFF2-40B4-BE49-F238E27FC236}">
+                <a16:creationId xmlns:a16="http://schemas.microsoft.com/office/drawing/2014/main" id="{A7F177F8-E09E-5E14-0D67-82C250A47FC6}"/>
+              </a:ext>
+            </a:extLst>
+          </p:cNvPr>
+          <p:cNvSpPr txBox="1"/>
+          <p:nvPr/>
+        </p:nvSpPr>
+        <p:spPr>
+          <a:xfrm>
+            <a:off x="129519" y="4109859"/>
+            <a:ext cx="4943475" cy="1754326"/>
+          </a:xfrm>
+          <a:prstGeom prst="rect">
+            <a:avLst/>
+          </a:prstGeom>
+          <a:noFill/>
+        </p:spPr>
+        <p:txBody>
+          <a:bodyPr wrap="square" rtlCol="0">
+            <a:spAutoFit/>
+          </a:bodyPr>
+          <a:lstStyle/>
+          <a:p>
+            <a:r>
+              <a:rPr lang="en-US" dirty="0"/>
+              <a:t>Pip install pandas</a:t>
+            </a:r>
+          </a:p>
+          <a:p>
+            <a:r>
+              <a:rPr lang="en-US" dirty="0"/>
+              <a:t>Pip install </a:t>
+            </a:r>
+            <a:r>
+              <a:rPr lang="en-US" dirty="0" err="1"/>
+              <a:t>numpy</a:t>
+            </a:r>
+            <a:endParaRPr lang="en-US" dirty="0"/>
+          </a:p>
+          <a:p>
+            <a:r>
+              <a:rPr lang="en-US" dirty="0"/>
+              <a:t>Pip install matplotlib</a:t>
+            </a:r>
+          </a:p>
+          <a:p>
+            <a:r>
+              <a:rPr lang="en-US" dirty="0"/>
+              <a:t>Pip install seaborn</a:t>
+            </a:r>
+          </a:p>
+          <a:p>
+            <a:r>
+              <a:rPr lang="en-US" dirty="0"/>
+              <a:t>Pip install scikit-learn</a:t>
+            </a:r>
+          </a:p>
+          <a:p>
+            <a:r>
+              <a:rPr lang="en-US" dirty="0"/>
+              <a:t>Pip install </a:t>
+            </a:r>
+            <a:r>
+              <a:rPr lang="en-US" dirty="0" err="1"/>
+              <a:t>tensorflow</a:t>
+            </a:r>
+            <a:endParaRPr lang="en-MY" dirty="0"/>
           </a:p>
         </p:txBody>
       </p:sp>
@@ -4911,6 +5028,183 @@
     <p:extLst>
       <p:ext uri="{BB962C8B-B14F-4D97-AF65-F5344CB8AC3E}">
         <p14:creationId xmlns:p14="http://schemas.microsoft.com/office/powerpoint/2010/main" val="2847713617"/>
+      </p:ext>
+    </p:extLst>
+  </p:cSld>
+  <p:clrMapOvr>
+    <a:masterClrMapping/>
+  </p:clrMapOvr>
+</p:sld>
+</file>
+
+<file path=ppt/slides/slide4.xml><?xml version="1.0" encoding="utf-8"?>
+<p:sld xmlns:a="http://schemas.openxmlformats.org/drawingml/2006/main" xmlns:r="http://schemas.openxmlformats.org/officeDocument/2006/relationships" xmlns:p="http://schemas.openxmlformats.org/presentationml/2006/main">
+  <p:cSld>
+    <p:spTree>
+      <p:nvGrpSpPr>
+        <p:cNvPr id="1" name=""/>
+        <p:cNvGrpSpPr/>
+        <p:nvPr/>
+      </p:nvGrpSpPr>
+      <p:grpSpPr>
+        <a:xfrm>
+          <a:off x="0" y="0"/>
+          <a:ext cx="0" cy="0"/>
+          <a:chOff x="0" y="0"/>
+          <a:chExt cx="0" cy="0"/>
+        </a:xfrm>
+      </p:grpSpPr>
+      <p:sp>
+        <p:nvSpPr>
+          <p:cNvPr id="2" name="TextBox 1">
+            <a:extLst>
+              <a:ext uri="{FF2B5EF4-FFF2-40B4-BE49-F238E27FC236}">
+                <a16:creationId xmlns:a16="http://schemas.microsoft.com/office/drawing/2014/main" id="{216DF637-4CA3-B5A3-DC30-B23E2837CED7}"/>
+              </a:ext>
+            </a:extLst>
+          </p:cNvPr>
+          <p:cNvSpPr txBox="1"/>
+          <p:nvPr/>
+        </p:nvSpPr>
+        <p:spPr>
+          <a:xfrm>
+            <a:off x="0" y="0"/>
+            <a:ext cx="7036735" cy="1785104"/>
+          </a:xfrm>
+          <a:prstGeom prst="rect">
+            <a:avLst/>
+          </a:prstGeom>
+          <a:noFill/>
+        </p:spPr>
+        <p:txBody>
+          <a:bodyPr wrap="none" rtlCol="0">
+            <a:spAutoFit/>
+          </a:bodyPr>
+          <a:lstStyle/>
+          <a:p>
+            <a:r>
+              <a:rPr lang="en-US" sz="2000" b="1" u="sng" dirty="0"/>
+              <a:t>Q&amp;A</a:t>
+            </a:r>
+          </a:p>
+          <a:p>
+            <a:pPr marL="342900" indent="-342900">
+              <a:buAutoNum type="arabicPeriod"/>
+            </a:pPr>
+            <a:r>
+              <a:rPr lang="en-US" dirty="0"/>
+              <a:t>How many classifier</a:t>
+            </a:r>
+          </a:p>
+          <a:p>
+            <a:pPr marL="342900" indent="-342900">
+              <a:buAutoNum type="arabicPeriod"/>
+            </a:pPr>
+            <a:r>
+              <a:rPr lang="en-US" dirty="0"/>
+              <a:t>How many regressor</a:t>
+            </a:r>
+          </a:p>
+          <a:p>
+            <a:pPr marL="342900" indent="-342900">
+              <a:buAutoNum type="arabicPeriod"/>
+            </a:pPr>
+            <a:r>
+              <a:rPr lang="en-US" dirty="0"/>
+              <a:t>How many Dimension Reduction : PCA &amp; K-Means</a:t>
+            </a:r>
+          </a:p>
+          <a:p>
+            <a:pPr marL="342900" indent="-342900">
+              <a:buAutoNum type="arabicPeriod"/>
+            </a:pPr>
+            <a:r>
+              <a:rPr lang="en-US" dirty="0"/>
+              <a:t>What is LDA &amp; QDA</a:t>
+            </a:r>
+          </a:p>
+          <a:p>
+            <a:pPr marL="342900" indent="-342900">
+              <a:buAutoNum type="arabicPeriod"/>
+            </a:pPr>
+            <a:r>
+              <a:rPr lang="en-US" dirty="0"/>
+              <a:t>What is the difference between </a:t>
+            </a:r>
+            <a:r>
+              <a:rPr lang="en-US" b="1" dirty="0">
+                <a:latin typeface="Consolas" panose="020B0609020204030204" pitchFamily="49" charset="0"/>
+              </a:rPr>
+              <a:t>scale()</a:t>
+            </a:r>
+            <a:r>
+              <a:rPr lang="en-US" dirty="0"/>
+              <a:t> and </a:t>
+            </a:r>
+            <a:r>
+              <a:rPr lang="en-US" b="1" dirty="0" err="1">
+                <a:latin typeface="Consolas" panose="020B0609020204030204" pitchFamily="49" charset="0"/>
+              </a:rPr>
+              <a:t>StandardScaler</a:t>
+            </a:r>
+            <a:r>
+              <a:rPr lang="en-US" b="1" dirty="0">
+                <a:latin typeface="Consolas" panose="020B0609020204030204" pitchFamily="49" charset="0"/>
+              </a:rPr>
+              <a:t>()</a:t>
+            </a:r>
+            <a:endParaRPr lang="en-MY" b="1" dirty="0">
+              <a:latin typeface="Consolas" panose="020B0609020204030204" pitchFamily="49" charset="0"/>
+            </a:endParaRPr>
+          </a:p>
+        </p:txBody>
+      </p:sp>
+      <p:sp>
+        <p:nvSpPr>
+          <p:cNvPr id="3" name="TextBox 2">
+            <a:extLst>
+              <a:ext uri="{FF2B5EF4-FFF2-40B4-BE49-F238E27FC236}">
+                <a16:creationId xmlns:a16="http://schemas.microsoft.com/office/drawing/2014/main" id="{E8AED186-50C5-CD8F-3FE1-FF6C35995396}"/>
+              </a:ext>
+            </a:extLst>
+          </p:cNvPr>
+          <p:cNvSpPr txBox="1"/>
+          <p:nvPr/>
+        </p:nvSpPr>
+        <p:spPr>
+          <a:xfrm>
+            <a:off x="0" y="2820693"/>
+            <a:ext cx="10321871" cy="923330"/>
+          </a:xfrm>
+          <a:prstGeom prst="rect">
+            <a:avLst/>
+          </a:prstGeom>
+          <a:noFill/>
+        </p:spPr>
+        <p:txBody>
+          <a:bodyPr wrap="square" rtlCol="0">
+            <a:spAutoFit/>
+          </a:bodyPr>
+          <a:lstStyle/>
+          <a:p>
+            <a:r>
+              <a:rPr lang="en-US" b="1" dirty="0"/>
+              <a:t>To-Do List</a:t>
+            </a:r>
+          </a:p>
+          <a:p>
+            <a:r>
+              <a:rPr lang="en-US" dirty="0"/>
+              <a:t>1. For all model learn, classify if they are (classifier/regressor), (supervised/unsupervised), and what are the predictors allowed (categorical/continuous) </a:t>
+            </a:r>
+            <a:endParaRPr lang="en-MY" dirty="0"/>
+          </a:p>
+        </p:txBody>
+      </p:sp>
+    </p:spTree>
+    <p:extLst>
+      <p:ext uri="{BB962C8B-B14F-4D97-AF65-F5344CB8AC3E}">
+        <p14:creationId xmlns:p14="http://schemas.microsoft.com/office/powerpoint/2010/main" val="559116493"/>
       </p:ext>
     </p:extLst>
   </p:cSld>

--- a/Machine Learning.pptx
+++ b/Machine Learning.pptx
@@ -9,6 +9,7 @@
     <p:sldId id="257" r:id="rId3"/>
     <p:sldId id="258" r:id="rId4"/>
     <p:sldId id="259" r:id="rId5"/>
+    <p:sldId id="260" r:id="rId6"/>
   </p:sldIdLst>
   <p:sldSz cx="12192000" cy="6858000"/>
   <p:notesSz cx="6858000" cy="9144000"/>
@@ -113,6 +114,51 @@
     </p:ext>
   </p:extLst>
 </p:presentation>
+</file>
+
+<file path=ppt/revisionInfo.xml><?xml version="1.0" encoding="utf-8"?>
+<p1510:revInfo xmlns:a="http://schemas.openxmlformats.org/drawingml/2006/main" xmlns:r="http://schemas.openxmlformats.org/officeDocument/2006/relationships" xmlns:p1510="http://schemas.microsoft.com/office/powerpoint/2015/10/main">
+  <p1510:revLst>
+    <p1510:client id="{7D3FB57F-C9FE-423C-9D2D-61F393C5472D}" v="2" dt="2025-07-03T12:55:05.238"/>
+  </p1510:revLst>
+</p1510:revInfo>
+</file>
+
+<file path=ppt/changesInfos/changesInfo1.xml><?xml version="1.0" encoding="utf-8"?>
+<pc:chgInfo xmlns:a="http://schemas.openxmlformats.org/drawingml/2006/main" xmlns:r="http://schemas.openxmlformats.org/officeDocument/2006/relationships" xmlns:ac="http://schemas.microsoft.com/office/drawing/2013/main/command" xmlns:pc="http://schemas.microsoft.com/office/powerpoint/2013/main/command">
+  <pc:docChgLst>
+    <pc:chgData name="Hazim Fitri Ahmad Faudzi" userId="67f981b2a9611c92" providerId="LiveId" clId="{7D3FB57F-C9FE-423C-9D2D-61F393C5472D}"/>
+    <pc:docChg chg="custSel addSld modSld">
+      <pc:chgData name="Hazim Fitri Ahmad Faudzi" userId="67f981b2a9611c92" providerId="LiveId" clId="{7D3FB57F-C9FE-423C-9D2D-61F393C5472D}" dt="2025-07-03T12:55:12.259" v="97" actId="20577"/>
+      <pc:docMkLst>
+        <pc:docMk/>
+      </pc:docMkLst>
+      <pc:sldChg chg="addSp modSp new mod">
+        <pc:chgData name="Hazim Fitri Ahmad Faudzi" userId="67f981b2a9611c92" providerId="LiveId" clId="{7D3FB57F-C9FE-423C-9D2D-61F393C5472D}" dt="2025-07-03T12:55:12.259" v="97" actId="20577"/>
+        <pc:sldMkLst>
+          <pc:docMk/>
+          <pc:sldMk cId="1345331177" sldId="260"/>
+        </pc:sldMkLst>
+        <pc:spChg chg="add mod">
+          <ac:chgData name="Hazim Fitri Ahmad Faudzi" userId="67f981b2a9611c92" providerId="LiveId" clId="{7D3FB57F-C9FE-423C-9D2D-61F393C5472D}" dt="2025-07-03T12:54:55.857" v="72" actId="20577"/>
+          <ac:spMkLst>
+            <pc:docMk/>
+            <pc:sldMk cId="1345331177" sldId="260"/>
+            <ac:spMk id="2" creationId="{61BCF543-475D-207F-F061-AE3D79568815}"/>
+          </ac:spMkLst>
+        </pc:spChg>
+        <pc:spChg chg="add mod">
+          <ac:chgData name="Hazim Fitri Ahmad Faudzi" userId="67f981b2a9611c92" providerId="LiveId" clId="{7D3FB57F-C9FE-423C-9D2D-61F393C5472D}" dt="2025-07-03T12:55:12.259" v="97" actId="20577"/>
+          <ac:spMkLst>
+            <pc:docMk/>
+            <pc:sldMk cId="1345331177" sldId="260"/>
+            <ac:spMk id="3" creationId="{933DE1E3-829B-1C12-F443-76E86E93DFDF}"/>
+          </ac:spMkLst>
+        </pc:spChg>
+      </pc:sldChg>
+    </pc:docChg>
+  </pc:docChgLst>
+</pc:chgInfo>
 </file>
 
 <file path=ppt/slideLayouts/slideLayout1.xml><?xml version="1.0" encoding="utf-8"?>
@@ -5205,6 +5251,128 @@
     <p:extLst>
       <p:ext uri="{BB962C8B-B14F-4D97-AF65-F5344CB8AC3E}">
         <p14:creationId xmlns:p14="http://schemas.microsoft.com/office/powerpoint/2010/main" val="559116493"/>
+      </p:ext>
+    </p:extLst>
+  </p:cSld>
+  <p:clrMapOvr>
+    <a:masterClrMapping/>
+  </p:clrMapOvr>
+</p:sld>
+</file>
+
+<file path=ppt/slides/slide5.xml><?xml version="1.0" encoding="utf-8"?>
+<p:sld xmlns:a="http://schemas.openxmlformats.org/drawingml/2006/main" xmlns:r="http://schemas.openxmlformats.org/officeDocument/2006/relationships" xmlns:p="http://schemas.openxmlformats.org/presentationml/2006/main">
+  <p:cSld>
+    <p:spTree>
+      <p:nvGrpSpPr>
+        <p:cNvPr id="1" name=""/>
+        <p:cNvGrpSpPr/>
+        <p:nvPr/>
+      </p:nvGrpSpPr>
+      <p:grpSpPr>
+        <a:xfrm>
+          <a:off x="0" y="0"/>
+          <a:ext cx="0" cy="0"/>
+          <a:chOff x="0" y="0"/>
+          <a:chExt cx="0" cy="0"/>
+        </a:xfrm>
+      </p:grpSpPr>
+      <p:sp>
+        <p:nvSpPr>
+          <p:cNvPr id="2" name="TextBox 1">
+            <a:extLst>
+              <a:ext uri="{FF2B5EF4-FFF2-40B4-BE49-F238E27FC236}">
+                <a16:creationId xmlns:a16="http://schemas.microsoft.com/office/drawing/2014/main" id="{61BCF543-475D-207F-F061-AE3D79568815}"/>
+              </a:ext>
+            </a:extLst>
+          </p:cNvPr>
+          <p:cNvSpPr txBox="1"/>
+          <p:nvPr/>
+        </p:nvSpPr>
+        <p:spPr>
+          <a:xfrm>
+            <a:off x="4005943" y="620486"/>
+            <a:ext cx="2297488" cy="923330"/>
+          </a:xfrm>
+          <a:prstGeom prst="rect">
+            <a:avLst/>
+          </a:prstGeom>
+          <a:noFill/>
+        </p:spPr>
+        <p:txBody>
+          <a:bodyPr wrap="none" rtlCol="0">
+            <a:spAutoFit/>
+          </a:bodyPr>
+          <a:lstStyle/>
+          <a:p>
+            <a:r>
+              <a:rPr lang="en-GB" dirty="0"/>
+              <a:t>Regression model</a:t>
+            </a:r>
+          </a:p>
+          <a:p>
+            <a:pPr marL="342900" indent="-342900">
+              <a:buAutoNum type="arabicPeriod"/>
+            </a:pPr>
+            <a:r>
+              <a:rPr lang="en-GB" dirty="0"/>
+              <a:t>Linear Regression</a:t>
+            </a:r>
+          </a:p>
+          <a:p>
+            <a:pPr marL="342900" indent="-342900">
+              <a:buAutoNum type="arabicPeriod"/>
+            </a:pPr>
+            <a:endParaRPr lang="en-MY" dirty="0"/>
+          </a:p>
+        </p:txBody>
+      </p:sp>
+      <p:sp>
+        <p:nvSpPr>
+          <p:cNvPr id="3" name="TextBox 2">
+            <a:extLst>
+              <a:ext uri="{FF2B5EF4-FFF2-40B4-BE49-F238E27FC236}">
+                <a16:creationId xmlns:a16="http://schemas.microsoft.com/office/drawing/2014/main" id="{933DE1E3-829B-1C12-F443-76E86E93DFDF}"/>
+              </a:ext>
+            </a:extLst>
+          </p:cNvPr>
+          <p:cNvSpPr txBox="1"/>
+          <p:nvPr/>
+        </p:nvSpPr>
+        <p:spPr>
+          <a:xfrm>
+            <a:off x="8871857" y="1077686"/>
+            <a:ext cx="2236318" cy="646331"/>
+          </a:xfrm>
+          <a:prstGeom prst="rect">
+            <a:avLst/>
+          </a:prstGeom>
+          <a:noFill/>
+        </p:spPr>
+        <p:txBody>
+          <a:bodyPr wrap="none" rtlCol="0">
+            <a:spAutoFit/>
+          </a:bodyPr>
+          <a:lstStyle/>
+          <a:p>
+            <a:r>
+              <a:rPr lang="en-GB" dirty="0"/>
+              <a:t>Classification model</a:t>
+            </a:r>
+          </a:p>
+          <a:p>
+            <a:r>
+              <a:rPr lang="en-GB"/>
+              <a:t>1. </a:t>
+            </a:r>
+            <a:endParaRPr lang="en-MY"/>
+          </a:p>
+        </p:txBody>
+      </p:sp>
+    </p:spTree>
+    <p:extLst>
+      <p:ext uri="{BB962C8B-B14F-4D97-AF65-F5344CB8AC3E}">
+        <p14:creationId xmlns:p14="http://schemas.microsoft.com/office/powerpoint/2010/main" val="1345331177"/>
       </p:ext>
     </p:extLst>
   </p:cSld>

--- a/Machine Learning.pptx
+++ b/Machine Learning.pptx
@@ -10,6 +10,10 @@
     <p:sldId id="258" r:id="rId4"/>
     <p:sldId id="259" r:id="rId5"/>
     <p:sldId id="260" r:id="rId6"/>
+    <p:sldId id="261" r:id="rId7"/>
+    <p:sldId id="263" r:id="rId8"/>
+    <p:sldId id="264" r:id="rId9"/>
+    <p:sldId id="262" r:id="rId10"/>
   </p:sldIdLst>
   <p:sldSz cx="12192000" cy="6858000"/>
   <p:notesSz cx="6858000" cy="9144000"/>
@@ -310,7 +314,7 @@
           <a:p>
             <a:fld id="{BE353601-8415-4344-AC41-0926F3B424CF}" type="datetimeFigureOut">
               <a:rPr lang="en-MY" smtClean="0"/>
-              <a:t>3/7/2025</a:t>
+              <a:t>7/7/2025</a:t>
             </a:fld>
             <a:endParaRPr lang="en-MY"/>
           </a:p>
@@ -510,7 +514,7 @@
           <a:p>
             <a:fld id="{BE353601-8415-4344-AC41-0926F3B424CF}" type="datetimeFigureOut">
               <a:rPr lang="en-MY" smtClean="0"/>
-              <a:t>3/7/2025</a:t>
+              <a:t>7/7/2025</a:t>
             </a:fld>
             <a:endParaRPr lang="en-MY"/>
           </a:p>
@@ -720,7 +724,7 @@
           <a:p>
             <a:fld id="{BE353601-8415-4344-AC41-0926F3B424CF}" type="datetimeFigureOut">
               <a:rPr lang="en-MY" smtClean="0"/>
-              <a:t>3/7/2025</a:t>
+              <a:t>7/7/2025</a:t>
             </a:fld>
             <a:endParaRPr lang="en-MY"/>
           </a:p>
@@ -920,7 +924,7 @@
           <a:p>
             <a:fld id="{BE353601-8415-4344-AC41-0926F3B424CF}" type="datetimeFigureOut">
               <a:rPr lang="en-MY" smtClean="0"/>
-              <a:t>3/7/2025</a:t>
+              <a:t>7/7/2025</a:t>
             </a:fld>
             <a:endParaRPr lang="en-MY"/>
           </a:p>
@@ -1196,7 +1200,7 @@
           <a:p>
             <a:fld id="{BE353601-8415-4344-AC41-0926F3B424CF}" type="datetimeFigureOut">
               <a:rPr lang="en-MY" smtClean="0"/>
-              <a:t>3/7/2025</a:t>
+              <a:t>7/7/2025</a:t>
             </a:fld>
             <a:endParaRPr lang="en-MY"/>
           </a:p>
@@ -1464,7 +1468,7 @@
           <a:p>
             <a:fld id="{BE353601-8415-4344-AC41-0926F3B424CF}" type="datetimeFigureOut">
               <a:rPr lang="en-MY" smtClean="0"/>
-              <a:t>3/7/2025</a:t>
+              <a:t>7/7/2025</a:t>
             </a:fld>
             <a:endParaRPr lang="en-MY"/>
           </a:p>
@@ -1879,7 +1883,7 @@
           <a:p>
             <a:fld id="{BE353601-8415-4344-AC41-0926F3B424CF}" type="datetimeFigureOut">
               <a:rPr lang="en-MY" smtClean="0"/>
-              <a:t>3/7/2025</a:t>
+              <a:t>7/7/2025</a:t>
             </a:fld>
             <a:endParaRPr lang="en-MY"/>
           </a:p>
@@ -2021,7 +2025,7 @@
           <a:p>
             <a:fld id="{BE353601-8415-4344-AC41-0926F3B424CF}" type="datetimeFigureOut">
               <a:rPr lang="en-MY" smtClean="0"/>
-              <a:t>3/7/2025</a:t>
+              <a:t>7/7/2025</a:t>
             </a:fld>
             <a:endParaRPr lang="en-MY"/>
           </a:p>
@@ -2134,7 +2138,7 @@
           <a:p>
             <a:fld id="{BE353601-8415-4344-AC41-0926F3B424CF}" type="datetimeFigureOut">
               <a:rPr lang="en-MY" smtClean="0"/>
-              <a:t>3/7/2025</a:t>
+              <a:t>7/7/2025</a:t>
             </a:fld>
             <a:endParaRPr lang="en-MY"/>
           </a:p>
@@ -2447,7 +2451,7 @@
           <a:p>
             <a:fld id="{BE353601-8415-4344-AC41-0926F3B424CF}" type="datetimeFigureOut">
               <a:rPr lang="en-MY" smtClean="0"/>
-              <a:t>3/7/2025</a:t>
+              <a:t>7/7/2025</a:t>
             </a:fld>
             <a:endParaRPr lang="en-MY"/>
           </a:p>
@@ -2736,7 +2740,7 @@
           <a:p>
             <a:fld id="{BE353601-8415-4344-AC41-0926F3B424CF}" type="datetimeFigureOut">
               <a:rPr lang="en-MY" smtClean="0"/>
-              <a:t>3/7/2025</a:t>
+              <a:t>7/7/2025</a:t>
             </a:fld>
             <a:endParaRPr lang="en-MY"/>
           </a:p>
@@ -2979,7 +2983,7 @@
           <a:p>
             <a:fld id="{BE353601-8415-4344-AC41-0926F3B424CF}" type="datetimeFigureOut">
               <a:rPr lang="en-MY" smtClean="0"/>
-              <a:t>3/7/2025</a:t>
+              <a:t>7/7/2025</a:t>
             </a:fld>
             <a:endParaRPr lang="en-MY"/>
           </a:p>
@@ -5115,7 +5119,7 @@
         <p:spPr>
           <a:xfrm>
             <a:off x="0" y="0"/>
-            <a:ext cx="7036735" cy="1785104"/>
+            <a:ext cx="7036735" cy="2062103"/>
           </a:xfrm>
           <a:prstGeom prst="rect">
             <a:avLst/>
@@ -5199,9 +5203,24 @@
               </a:rPr>
               <a:t>()</a:t>
             </a:r>
-            <a:endParaRPr lang="en-MY" b="1" dirty="0">
-              <a:latin typeface="Consolas" panose="020B0609020204030204" pitchFamily="49" charset="0"/>
-            </a:endParaRPr>
+          </a:p>
+          <a:p>
+            <a:pPr marL="342900" indent="-342900">
+              <a:buAutoNum type="arabicPeriod"/>
+            </a:pPr>
+            <a:r>
+              <a:rPr lang="en-US" dirty="0"/>
+              <a:t>Which scaler to use (min-max, standard, </a:t>
+            </a:r>
+            <a:r>
+              <a:rPr lang="en-US" dirty="0" err="1"/>
+              <a:t>etc</a:t>
+            </a:r>
+            <a:r>
+              <a:rPr lang="en-US" dirty="0"/>
+              <a:t>)</a:t>
+            </a:r>
+            <a:endParaRPr lang="en-MY" dirty="0"/>
           </a:p>
         </p:txBody>
       </p:sp>
@@ -5373,6 +5392,2801 @@
     <p:extLst>
       <p:ext uri="{BB962C8B-B14F-4D97-AF65-F5344CB8AC3E}">
         <p14:creationId xmlns:p14="http://schemas.microsoft.com/office/powerpoint/2010/main" val="1345331177"/>
+      </p:ext>
+    </p:extLst>
+  </p:cSld>
+  <p:clrMapOvr>
+    <a:masterClrMapping/>
+  </p:clrMapOvr>
+</p:sld>
+</file>
+
+<file path=ppt/slides/slide6.xml><?xml version="1.0" encoding="utf-8"?>
+<p:sld xmlns:a="http://schemas.openxmlformats.org/drawingml/2006/main" xmlns:r="http://schemas.openxmlformats.org/officeDocument/2006/relationships" xmlns:p="http://schemas.openxmlformats.org/presentationml/2006/main">
+  <p:cSld>
+    <p:spTree>
+      <p:nvGrpSpPr>
+        <p:cNvPr id="1" name=""/>
+        <p:cNvGrpSpPr/>
+        <p:nvPr/>
+      </p:nvGrpSpPr>
+      <p:grpSpPr>
+        <a:xfrm>
+          <a:off x="0" y="0"/>
+          <a:ext cx="0" cy="0"/>
+          <a:chOff x="0" y="0"/>
+          <a:chExt cx="0" cy="0"/>
+        </a:xfrm>
+      </p:grpSpPr>
+      <p:graphicFrame>
+        <p:nvGraphicFramePr>
+          <p:cNvPr id="2" name="Table 1">
+            <a:extLst>
+              <a:ext uri="{FF2B5EF4-FFF2-40B4-BE49-F238E27FC236}">
+                <a16:creationId xmlns:a16="http://schemas.microsoft.com/office/drawing/2014/main" id="{0B95955D-7A98-D11B-B174-3C3B66E07F4D}"/>
+              </a:ext>
+            </a:extLst>
+          </p:cNvPr>
+          <p:cNvGraphicFramePr>
+            <a:graphicFrameLocks noGrp="1"/>
+          </p:cNvGraphicFramePr>
+          <p:nvPr>
+            <p:extLst>
+              <p:ext uri="{D42A27DB-BD31-4B8C-83A1-F6EECF244321}">
+                <p14:modId xmlns:p14="http://schemas.microsoft.com/office/powerpoint/2010/main" val="915047765"/>
+              </p:ext>
+            </p:extLst>
+          </p:nvPr>
+        </p:nvGraphicFramePr>
+        <p:xfrm>
+          <a:off x="142877" y="157163"/>
+          <a:ext cx="11872912" cy="6557962"/>
+        </p:xfrm>
+        <a:graphic>
+          <a:graphicData uri="http://schemas.openxmlformats.org/drawingml/2006/table">
+            <a:tbl>
+              <a:tblPr firstRow="1" bandRow="1">
+                <a:tableStyleId>{5C22544A-7EE6-4342-B048-85BDC9FD1C3A}</a:tableStyleId>
+              </a:tblPr>
+              <a:tblGrid>
+                <a:gridCol w="1696130">
+                  <a:extLst>
+                    <a:ext uri="{9D8B030D-6E8A-4147-A177-3AD203B41FA5}">
+                      <a16:colId xmlns:a16="http://schemas.microsoft.com/office/drawing/2014/main" val="1689589497"/>
+                    </a:ext>
+                  </a:extLst>
+                </a:gridCol>
+                <a:gridCol w="1581668">
+                  <a:extLst>
+                    <a:ext uri="{9D8B030D-6E8A-4147-A177-3AD203B41FA5}">
+                      <a16:colId xmlns:a16="http://schemas.microsoft.com/office/drawing/2014/main" val="2484241386"/>
+                    </a:ext>
+                  </a:extLst>
+                </a:gridCol>
+                <a:gridCol w="1442231">
+                  <a:extLst>
+                    <a:ext uri="{9D8B030D-6E8A-4147-A177-3AD203B41FA5}">
+                      <a16:colId xmlns:a16="http://schemas.microsoft.com/office/drawing/2014/main" val="1057772542"/>
+                    </a:ext>
+                  </a:extLst>
+                </a:gridCol>
+                <a:gridCol w="2064493">
+                  <a:extLst>
+                    <a:ext uri="{9D8B030D-6E8A-4147-A177-3AD203B41FA5}">
+                      <a16:colId xmlns:a16="http://schemas.microsoft.com/office/drawing/2014/main" val="3722476855"/>
+                    </a:ext>
+                  </a:extLst>
+                </a:gridCol>
+                <a:gridCol w="1696130">
+                  <a:extLst>
+                    <a:ext uri="{9D8B030D-6E8A-4147-A177-3AD203B41FA5}">
+                      <a16:colId xmlns:a16="http://schemas.microsoft.com/office/drawing/2014/main" val="681179607"/>
+                    </a:ext>
+                  </a:extLst>
+                </a:gridCol>
+                <a:gridCol w="1696130">
+                  <a:extLst>
+                    <a:ext uri="{9D8B030D-6E8A-4147-A177-3AD203B41FA5}">
+                      <a16:colId xmlns:a16="http://schemas.microsoft.com/office/drawing/2014/main" val="941116877"/>
+                    </a:ext>
+                  </a:extLst>
+                </a:gridCol>
+                <a:gridCol w="1696130">
+                  <a:extLst>
+                    <a:ext uri="{9D8B030D-6E8A-4147-A177-3AD203B41FA5}">
+                      <a16:colId xmlns:a16="http://schemas.microsoft.com/office/drawing/2014/main" val="218740547"/>
+                    </a:ext>
+                  </a:extLst>
+                </a:gridCol>
+              </a:tblGrid>
+              <a:tr h="390801">
+                <a:tc>
+                  <a:txBody>
+                    <a:bodyPr/>
+                    <a:lstStyle/>
+                    <a:p>
+                      <a:r>
+                        <a:rPr lang="en-US" dirty="0"/>
+                        <a:t>Model</a:t>
+                      </a:r>
+                      <a:endParaRPr lang="en-MY" dirty="0"/>
+                    </a:p>
+                  </a:txBody>
+                  <a:tcPr/>
+                </a:tc>
+                <a:tc>
+                  <a:txBody>
+                    <a:bodyPr/>
+                    <a:lstStyle/>
+                    <a:p>
+                      <a:r>
+                        <a:rPr lang="en-US" dirty="0"/>
+                        <a:t>Y Type</a:t>
+                      </a:r>
+                      <a:endParaRPr lang="en-MY" dirty="0"/>
+                    </a:p>
+                  </a:txBody>
+                  <a:tcPr/>
+                </a:tc>
+                <a:tc>
+                  <a:txBody>
+                    <a:bodyPr/>
+                    <a:lstStyle/>
+                    <a:p>
+                      <a:r>
+                        <a:rPr lang="en-US" dirty="0"/>
+                        <a:t>X Type</a:t>
+                      </a:r>
+                      <a:endParaRPr lang="en-MY" dirty="0"/>
+                    </a:p>
+                  </a:txBody>
+                  <a:tcPr/>
+                </a:tc>
+                <a:tc>
+                  <a:txBody>
+                    <a:bodyPr/>
+                    <a:lstStyle/>
+                    <a:p>
+                      <a:r>
+                        <a:rPr lang="en-US" dirty="0"/>
+                        <a:t>Task Type</a:t>
+                      </a:r>
+                      <a:endParaRPr lang="en-MY" dirty="0"/>
+                    </a:p>
+                  </a:txBody>
+                  <a:tcPr/>
+                </a:tc>
+                <a:tc>
+                  <a:txBody>
+                    <a:bodyPr/>
+                    <a:lstStyle/>
+                    <a:p>
+                      <a:r>
+                        <a:rPr lang="en-US" dirty="0"/>
+                        <a:t>Learning Type</a:t>
+                      </a:r>
+                      <a:endParaRPr lang="en-MY" dirty="0"/>
+                    </a:p>
+                  </a:txBody>
+                  <a:tcPr/>
+                </a:tc>
+                <a:tc>
+                  <a:txBody>
+                    <a:bodyPr/>
+                    <a:lstStyle/>
+                    <a:p>
+                      <a:r>
+                        <a:rPr lang="en-US" dirty="0"/>
+                        <a:t>Advantage</a:t>
+                      </a:r>
+                      <a:endParaRPr lang="en-MY" dirty="0"/>
+                    </a:p>
+                  </a:txBody>
+                  <a:tcPr/>
+                </a:tc>
+                <a:tc>
+                  <a:txBody>
+                    <a:bodyPr/>
+                    <a:lstStyle/>
+                    <a:p>
+                      <a:r>
+                        <a:rPr lang="en-US" dirty="0"/>
+                        <a:t>Disadvantage</a:t>
+                      </a:r>
+                      <a:endParaRPr lang="en-MY" dirty="0"/>
+                    </a:p>
+                  </a:txBody>
+                  <a:tcPr/>
+                </a:tc>
+                <a:extLst>
+                  <a:ext uri="{0D108BD9-81ED-4DB2-BD59-A6C34878D82A}">
+                    <a16:rowId xmlns:a16="http://schemas.microsoft.com/office/drawing/2014/main" val="554896522"/>
+                  </a:ext>
+                </a:extLst>
+              </a:tr>
+              <a:tr h="674533">
+                <a:tc>
+                  <a:txBody>
+                    <a:bodyPr/>
+                    <a:lstStyle/>
+                    <a:p>
+                      <a:r>
+                        <a:rPr lang="en-US" dirty="0"/>
+                        <a:t>Linear Regression</a:t>
+                      </a:r>
+                      <a:endParaRPr lang="en-MY" dirty="0"/>
+                    </a:p>
+                  </a:txBody>
+                  <a:tcPr/>
+                </a:tc>
+                <a:tc>
+                  <a:txBody>
+                    <a:bodyPr/>
+                    <a:lstStyle/>
+                    <a:p>
+                      <a:r>
+                        <a:rPr lang="en-US" dirty="0"/>
+                        <a:t>Continuous</a:t>
+                      </a:r>
+                      <a:endParaRPr lang="en-MY" dirty="0"/>
+                    </a:p>
+                  </a:txBody>
+                  <a:tcPr/>
+                </a:tc>
+                <a:tc>
+                  <a:txBody>
+                    <a:bodyPr/>
+                    <a:lstStyle/>
+                    <a:p>
+                      <a:r>
+                        <a:rPr lang="en-US" dirty="0"/>
+                        <a:t>Numerical</a:t>
+                      </a:r>
+                      <a:endParaRPr lang="en-MY" dirty="0"/>
+                    </a:p>
+                  </a:txBody>
+                  <a:tcPr/>
+                </a:tc>
+                <a:tc>
+                  <a:txBody>
+                    <a:bodyPr/>
+                    <a:lstStyle/>
+                    <a:p>
+                      <a:r>
+                        <a:rPr lang="en-US" dirty="0"/>
+                        <a:t>Regression</a:t>
+                      </a:r>
+                      <a:endParaRPr lang="en-MY" dirty="0"/>
+                    </a:p>
+                  </a:txBody>
+                  <a:tcPr/>
+                </a:tc>
+                <a:tc>
+                  <a:txBody>
+                    <a:bodyPr/>
+                    <a:lstStyle/>
+                    <a:p>
+                      <a:r>
+                        <a:rPr lang="en-US" dirty="0"/>
+                        <a:t>Supervised</a:t>
+                      </a:r>
+                    </a:p>
+                    <a:p>
+                      <a:endParaRPr lang="en-MY" dirty="0"/>
+                    </a:p>
+                  </a:txBody>
+                  <a:tcPr/>
+                </a:tc>
+                <a:tc>
+                  <a:txBody>
+                    <a:bodyPr/>
+                    <a:lstStyle/>
+                    <a:p>
+                      <a:endParaRPr lang="en-MY" dirty="0"/>
+                    </a:p>
+                  </a:txBody>
+                  <a:tcPr/>
+                </a:tc>
+                <a:tc>
+                  <a:txBody>
+                    <a:bodyPr/>
+                    <a:lstStyle/>
+                    <a:p>
+                      <a:endParaRPr lang="en-MY" dirty="0"/>
+                    </a:p>
+                  </a:txBody>
+                  <a:tcPr/>
+                </a:tc>
+                <a:extLst>
+                  <a:ext uri="{0D108BD9-81ED-4DB2-BD59-A6C34878D82A}">
+                    <a16:rowId xmlns:a16="http://schemas.microsoft.com/office/drawing/2014/main" val="2452418569"/>
+                  </a:ext>
+                </a:extLst>
+              </a:tr>
+              <a:tr h="674533">
+                <a:tc>
+                  <a:txBody>
+                    <a:bodyPr/>
+                    <a:lstStyle/>
+                    <a:p>
+                      <a:r>
+                        <a:rPr lang="en-US" dirty="0"/>
+                        <a:t>Logistic Regression</a:t>
+                      </a:r>
+                      <a:endParaRPr lang="en-MY" dirty="0"/>
+                    </a:p>
+                  </a:txBody>
+                  <a:tcPr/>
+                </a:tc>
+                <a:tc>
+                  <a:txBody>
+                    <a:bodyPr/>
+                    <a:lstStyle/>
+                    <a:p>
+                      <a:r>
+                        <a:rPr lang="en-US" dirty="0"/>
+                        <a:t>Categorical</a:t>
+                      </a:r>
+                      <a:endParaRPr lang="en-MY" dirty="0"/>
+                    </a:p>
+                  </a:txBody>
+                  <a:tcPr/>
+                </a:tc>
+                <a:tc>
+                  <a:txBody>
+                    <a:bodyPr/>
+                    <a:lstStyle/>
+                    <a:p>
+                      <a:r>
+                        <a:rPr lang="en-US" dirty="0"/>
+                        <a:t>Numerical</a:t>
+                      </a:r>
+                      <a:endParaRPr lang="en-MY" dirty="0"/>
+                    </a:p>
+                  </a:txBody>
+                  <a:tcPr/>
+                </a:tc>
+                <a:tc>
+                  <a:txBody>
+                    <a:bodyPr/>
+                    <a:lstStyle/>
+                    <a:p>
+                      <a:r>
+                        <a:rPr lang="en-US" dirty="0"/>
+                        <a:t>Classification</a:t>
+                      </a:r>
+                      <a:endParaRPr lang="en-MY" dirty="0"/>
+                    </a:p>
+                  </a:txBody>
+                  <a:tcPr/>
+                </a:tc>
+                <a:tc>
+                  <a:txBody>
+                    <a:bodyPr/>
+                    <a:lstStyle/>
+                    <a:p>
+                      <a:r>
+                        <a:rPr lang="en-US" dirty="0"/>
+                        <a:t>Supervised</a:t>
+                      </a:r>
+                      <a:endParaRPr lang="en-MY" dirty="0"/>
+                    </a:p>
+                  </a:txBody>
+                  <a:tcPr/>
+                </a:tc>
+                <a:tc>
+                  <a:txBody>
+                    <a:bodyPr/>
+                    <a:lstStyle/>
+                    <a:p>
+                      <a:endParaRPr lang="en-MY"/>
+                    </a:p>
+                  </a:txBody>
+                  <a:tcPr/>
+                </a:tc>
+                <a:tc>
+                  <a:txBody>
+                    <a:bodyPr/>
+                    <a:lstStyle/>
+                    <a:p>
+                      <a:endParaRPr lang="en-MY"/>
+                    </a:p>
+                  </a:txBody>
+                  <a:tcPr/>
+                </a:tc>
+                <a:extLst>
+                  <a:ext uri="{0D108BD9-81ED-4DB2-BD59-A6C34878D82A}">
+                    <a16:rowId xmlns:a16="http://schemas.microsoft.com/office/drawing/2014/main" val="3237841522"/>
+                  </a:ext>
+                </a:extLst>
+              </a:tr>
+              <a:tr h="963619">
+                <a:tc>
+                  <a:txBody>
+                    <a:bodyPr/>
+                    <a:lstStyle/>
+                    <a:p>
+                      <a:r>
+                        <a:rPr lang="en-US" dirty="0"/>
+                        <a:t>Linear Discriminant Analysis (LDA)</a:t>
+                      </a:r>
+                      <a:endParaRPr lang="en-MY" dirty="0"/>
+                    </a:p>
+                  </a:txBody>
+                  <a:tcPr/>
+                </a:tc>
+                <a:tc>
+                  <a:txBody>
+                    <a:bodyPr/>
+                    <a:lstStyle/>
+                    <a:p>
+                      <a:r>
+                        <a:rPr lang="en-US" dirty="0"/>
+                        <a:t>Categorical</a:t>
+                      </a:r>
+                      <a:endParaRPr lang="en-MY" dirty="0"/>
+                    </a:p>
+                  </a:txBody>
+                  <a:tcPr/>
+                </a:tc>
+                <a:tc>
+                  <a:txBody>
+                    <a:bodyPr/>
+                    <a:lstStyle/>
+                    <a:p>
+                      <a:r>
+                        <a:rPr lang="en-US" dirty="0"/>
+                        <a:t>Numerical</a:t>
+                      </a:r>
+                      <a:endParaRPr lang="en-MY" dirty="0"/>
+                    </a:p>
+                  </a:txBody>
+                  <a:tcPr/>
+                </a:tc>
+                <a:tc>
+                  <a:txBody>
+                    <a:bodyPr/>
+                    <a:lstStyle/>
+                    <a:p>
+                      <a:r>
+                        <a:rPr lang="en-US" dirty="0"/>
+                        <a:t>Classification</a:t>
+                      </a:r>
+                      <a:endParaRPr lang="en-MY" dirty="0"/>
+                    </a:p>
+                  </a:txBody>
+                  <a:tcPr/>
+                </a:tc>
+                <a:tc>
+                  <a:txBody>
+                    <a:bodyPr/>
+                    <a:lstStyle/>
+                    <a:p>
+                      <a:r>
+                        <a:rPr lang="en-US" dirty="0"/>
+                        <a:t>Supervised</a:t>
+                      </a:r>
+                      <a:endParaRPr lang="en-MY" dirty="0"/>
+                    </a:p>
+                  </a:txBody>
+                  <a:tcPr/>
+                </a:tc>
+                <a:tc>
+                  <a:txBody>
+                    <a:bodyPr/>
+                    <a:lstStyle/>
+                    <a:p>
+                      <a:endParaRPr lang="en-MY"/>
+                    </a:p>
+                  </a:txBody>
+                  <a:tcPr/>
+                </a:tc>
+                <a:tc>
+                  <a:txBody>
+                    <a:bodyPr/>
+                    <a:lstStyle/>
+                    <a:p>
+                      <a:endParaRPr lang="en-MY"/>
+                    </a:p>
+                  </a:txBody>
+                  <a:tcPr/>
+                </a:tc>
+                <a:extLst>
+                  <a:ext uri="{0D108BD9-81ED-4DB2-BD59-A6C34878D82A}">
+                    <a16:rowId xmlns:a16="http://schemas.microsoft.com/office/drawing/2014/main" val="3413963664"/>
+                  </a:ext>
+                </a:extLst>
+              </a:tr>
+              <a:tr h="963619">
+                <a:tc>
+                  <a:txBody>
+                    <a:bodyPr/>
+                    <a:lstStyle/>
+                    <a:p>
+                      <a:r>
+                        <a:rPr lang="en-US" dirty="0"/>
+                        <a:t>Quadratic Discriminant Analysis (QDA)</a:t>
+                      </a:r>
+                      <a:endParaRPr lang="en-MY" dirty="0"/>
+                    </a:p>
+                  </a:txBody>
+                  <a:tcPr/>
+                </a:tc>
+                <a:tc>
+                  <a:txBody>
+                    <a:bodyPr/>
+                    <a:lstStyle/>
+                    <a:p>
+                      <a:r>
+                        <a:rPr lang="en-US" dirty="0"/>
+                        <a:t>Categorial</a:t>
+                      </a:r>
+                      <a:endParaRPr lang="en-MY" dirty="0"/>
+                    </a:p>
+                  </a:txBody>
+                  <a:tcPr/>
+                </a:tc>
+                <a:tc>
+                  <a:txBody>
+                    <a:bodyPr/>
+                    <a:lstStyle/>
+                    <a:p>
+                      <a:r>
+                        <a:rPr lang="en-US" dirty="0"/>
+                        <a:t>Numerical</a:t>
+                      </a:r>
+                      <a:endParaRPr lang="en-MY" dirty="0"/>
+                    </a:p>
+                  </a:txBody>
+                  <a:tcPr/>
+                </a:tc>
+                <a:tc>
+                  <a:txBody>
+                    <a:bodyPr/>
+                    <a:lstStyle/>
+                    <a:p>
+                      <a:r>
+                        <a:rPr lang="en-US" dirty="0"/>
+                        <a:t>Classification</a:t>
+                      </a:r>
+                      <a:endParaRPr lang="en-MY" dirty="0"/>
+                    </a:p>
+                  </a:txBody>
+                  <a:tcPr/>
+                </a:tc>
+                <a:tc>
+                  <a:txBody>
+                    <a:bodyPr/>
+                    <a:lstStyle/>
+                    <a:p>
+                      <a:r>
+                        <a:rPr lang="en-US" dirty="0"/>
+                        <a:t>Supervised</a:t>
+                      </a:r>
+                      <a:endParaRPr lang="en-MY" dirty="0"/>
+                    </a:p>
+                  </a:txBody>
+                  <a:tcPr/>
+                </a:tc>
+                <a:tc>
+                  <a:txBody>
+                    <a:bodyPr/>
+                    <a:lstStyle/>
+                    <a:p>
+                      <a:endParaRPr lang="en-MY"/>
+                    </a:p>
+                  </a:txBody>
+                  <a:tcPr/>
+                </a:tc>
+                <a:tc>
+                  <a:txBody>
+                    <a:bodyPr/>
+                    <a:lstStyle/>
+                    <a:p>
+                      <a:endParaRPr lang="en-MY"/>
+                    </a:p>
+                  </a:txBody>
+                  <a:tcPr/>
+                </a:tc>
+                <a:extLst>
+                  <a:ext uri="{0D108BD9-81ED-4DB2-BD59-A6C34878D82A}">
+                    <a16:rowId xmlns:a16="http://schemas.microsoft.com/office/drawing/2014/main" val="1179742548"/>
+                  </a:ext>
+                </a:extLst>
+              </a:tr>
+              <a:tr h="963619">
+                <a:tc>
+                  <a:txBody>
+                    <a:bodyPr/>
+                    <a:lstStyle/>
+                    <a:p>
+                      <a:r>
+                        <a:rPr lang="en-US" dirty="0"/>
+                        <a:t>K-Nearest Neighbors (KNN)</a:t>
+                      </a:r>
+                      <a:endParaRPr lang="en-MY" dirty="0"/>
+                    </a:p>
+                  </a:txBody>
+                  <a:tcPr/>
+                </a:tc>
+                <a:tc>
+                  <a:txBody>
+                    <a:bodyPr/>
+                    <a:lstStyle/>
+                    <a:p>
+                      <a:r>
+                        <a:rPr lang="en-US" dirty="0"/>
+                        <a:t>Categorical / Continuous</a:t>
+                      </a:r>
+                      <a:endParaRPr lang="en-MY" dirty="0"/>
+                    </a:p>
+                  </a:txBody>
+                  <a:tcPr/>
+                </a:tc>
+                <a:tc>
+                  <a:txBody>
+                    <a:bodyPr/>
+                    <a:lstStyle/>
+                    <a:p>
+                      <a:r>
+                        <a:rPr lang="en-US" dirty="0"/>
+                        <a:t>Numerical</a:t>
+                      </a:r>
+                      <a:endParaRPr lang="en-MY" dirty="0"/>
+                    </a:p>
+                  </a:txBody>
+                  <a:tcPr/>
+                </a:tc>
+                <a:tc>
+                  <a:txBody>
+                    <a:bodyPr/>
+                    <a:lstStyle/>
+                    <a:p>
+                      <a:r>
+                        <a:rPr lang="en-US" dirty="0"/>
+                        <a:t>Both</a:t>
+                      </a:r>
+                      <a:endParaRPr lang="en-MY" dirty="0"/>
+                    </a:p>
+                  </a:txBody>
+                  <a:tcPr/>
+                </a:tc>
+                <a:tc>
+                  <a:txBody>
+                    <a:bodyPr/>
+                    <a:lstStyle/>
+                    <a:p>
+                      <a:r>
+                        <a:rPr lang="en-US" dirty="0"/>
+                        <a:t>Supervised</a:t>
+                      </a:r>
+                      <a:endParaRPr lang="en-MY" dirty="0"/>
+                    </a:p>
+                  </a:txBody>
+                  <a:tcPr/>
+                </a:tc>
+                <a:tc>
+                  <a:txBody>
+                    <a:bodyPr/>
+                    <a:lstStyle/>
+                    <a:p>
+                      <a:endParaRPr lang="en-MY" dirty="0"/>
+                    </a:p>
+                  </a:txBody>
+                  <a:tcPr/>
+                </a:tc>
+                <a:tc>
+                  <a:txBody>
+                    <a:bodyPr/>
+                    <a:lstStyle/>
+                    <a:p>
+                      <a:endParaRPr lang="en-MY" dirty="0"/>
+                    </a:p>
+                  </a:txBody>
+                  <a:tcPr/>
+                </a:tc>
+                <a:extLst>
+                  <a:ext uri="{0D108BD9-81ED-4DB2-BD59-A6C34878D82A}">
+                    <a16:rowId xmlns:a16="http://schemas.microsoft.com/office/drawing/2014/main" val="355881352"/>
+                  </a:ext>
+                </a:extLst>
+              </a:tr>
+              <a:tr h="963619">
+                <a:tc>
+                  <a:txBody>
+                    <a:bodyPr/>
+                    <a:lstStyle/>
+                    <a:p>
+                      <a:r>
+                        <a:rPr lang="en-US" dirty="0"/>
+                        <a:t>Decision Tree</a:t>
+                      </a:r>
+                      <a:endParaRPr lang="en-MY" dirty="0"/>
+                    </a:p>
+                  </a:txBody>
+                  <a:tcPr/>
+                </a:tc>
+                <a:tc>
+                  <a:txBody>
+                    <a:bodyPr/>
+                    <a:lstStyle/>
+                    <a:p>
+                      <a:r>
+                        <a:rPr lang="en-US" dirty="0"/>
+                        <a:t>Categorical / Continuous</a:t>
+                      </a:r>
+                      <a:endParaRPr lang="en-MY" dirty="0"/>
+                    </a:p>
+                  </a:txBody>
+                  <a:tcPr/>
+                </a:tc>
+                <a:tc>
+                  <a:txBody>
+                    <a:bodyPr/>
+                    <a:lstStyle/>
+                    <a:p>
+                      <a:r>
+                        <a:rPr lang="en-US" dirty="0"/>
+                        <a:t>Numerical/Category</a:t>
+                      </a:r>
+                      <a:endParaRPr lang="en-MY" dirty="0"/>
+                    </a:p>
+                  </a:txBody>
+                  <a:tcPr/>
+                </a:tc>
+                <a:tc>
+                  <a:txBody>
+                    <a:bodyPr/>
+                    <a:lstStyle/>
+                    <a:p>
+                      <a:r>
+                        <a:rPr lang="en-US" dirty="0"/>
+                        <a:t>Both</a:t>
+                      </a:r>
+                      <a:endParaRPr lang="en-MY" dirty="0"/>
+                    </a:p>
+                  </a:txBody>
+                  <a:tcPr/>
+                </a:tc>
+                <a:tc>
+                  <a:txBody>
+                    <a:bodyPr/>
+                    <a:lstStyle/>
+                    <a:p>
+                      <a:r>
+                        <a:rPr lang="en-US" dirty="0"/>
+                        <a:t>Supervised</a:t>
+                      </a:r>
+                      <a:endParaRPr lang="en-MY" dirty="0"/>
+                    </a:p>
+                  </a:txBody>
+                  <a:tcPr/>
+                </a:tc>
+                <a:tc>
+                  <a:txBody>
+                    <a:bodyPr/>
+                    <a:lstStyle/>
+                    <a:p>
+                      <a:endParaRPr lang="en-MY" dirty="0"/>
+                    </a:p>
+                  </a:txBody>
+                  <a:tcPr/>
+                </a:tc>
+                <a:tc>
+                  <a:txBody>
+                    <a:bodyPr/>
+                    <a:lstStyle/>
+                    <a:p>
+                      <a:endParaRPr lang="en-MY" dirty="0"/>
+                    </a:p>
+                  </a:txBody>
+                  <a:tcPr/>
+                </a:tc>
+                <a:extLst>
+                  <a:ext uri="{0D108BD9-81ED-4DB2-BD59-A6C34878D82A}">
+                    <a16:rowId xmlns:a16="http://schemas.microsoft.com/office/drawing/2014/main" val="1959226609"/>
+                  </a:ext>
+                </a:extLst>
+              </a:tr>
+              <a:tr h="963619">
+                <a:tc>
+                  <a:txBody>
+                    <a:bodyPr/>
+                    <a:lstStyle/>
+                    <a:p>
+                      <a:r>
+                        <a:rPr lang="en-US" dirty="0"/>
+                        <a:t>Random Forest</a:t>
+                      </a:r>
+                      <a:endParaRPr lang="en-MY" dirty="0"/>
+                    </a:p>
+                  </a:txBody>
+                  <a:tcPr/>
+                </a:tc>
+                <a:tc>
+                  <a:txBody>
+                    <a:bodyPr/>
+                    <a:lstStyle/>
+                    <a:p>
+                      <a:r>
+                        <a:rPr lang="en-US" dirty="0"/>
+                        <a:t>Categorical/Continuous</a:t>
+                      </a:r>
+                      <a:endParaRPr lang="en-MY" dirty="0"/>
+                    </a:p>
+                  </a:txBody>
+                  <a:tcPr/>
+                </a:tc>
+                <a:tc>
+                  <a:txBody>
+                    <a:bodyPr/>
+                    <a:lstStyle/>
+                    <a:p>
+                      <a:r>
+                        <a:rPr lang="en-US" dirty="0"/>
+                        <a:t>Numerical/Category</a:t>
+                      </a:r>
+                      <a:endParaRPr lang="en-MY" dirty="0"/>
+                    </a:p>
+                  </a:txBody>
+                  <a:tcPr/>
+                </a:tc>
+                <a:tc>
+                  <a:txBody>
+                    <a:bodyPr/>
+                    <a:lstStyle/>
+                    <a:p>
+                      <a:r>
+                        <a:rPr lang="en-US" dirty="0"/>
+                        <a:t>Both</a:t>
+                      </a:r>
+                      <a:endParaRPr lang="en-MY" dirty="0"/>
+                    </a:p>
+                  </a:txBody>
+                  <a:tcPr/>
+                </a:tc>
+                <a:tc>
+                  <a:txBody>
+                    <a:bodyPr/>
+                    <a:lstStyle/>
+                    <a:p>
+                      <a:r>
+                        <a:rPr lang="en-US" dirty="0"/>
+                        <a:t>Supervised</a:t>
+                      </a:r>
+                      <a:endParaRPr lang="en-MY" dirty="0"/>
+                    </a:p>
+                  </a:txBody>
+                  <a:tcPr/>
+                </a:tc>
+                <a:tc>
+                  <a:txBody>
+                    <a:bodyPr/>
+                    <a:lstStyle/>
+                    <a:p>
+                      <a:endParaRPr lang="en-MY" dirty="0"/>
+                    </a:p>
+                  </a:txBody>
+                  <a:tcPr/>
+                </a:tc>
+                <a:tc>
+                  <a:txBody>
+                    <a:bodyPr/>
+                    <a:lstStyle/>
+                    <a:p>
+                      <a:endParaRPr lang="en-MY" dirty="0"/>
+                    </a:p>
+                  </a:txBody>
+                  <a:tcPr/>
+                </a:tc>
+                <a:extLst>
+                  <a:ext uri="{0D108BD9-81ED-4DB2-BD59-A6C34878D82A}">
+                    <a16:rowId xmlns:a16="http://schemas.microsoft.com/office/drawing/2014/main" val="3478211886"/>
+                  </a:ext>
+                </a:extLst>
+              </a:tr>
+            </a:tbl>
+          </a:graphicData>
+        </a:graphic>
+      </p:graphicFrame>
+    </p:spTree>
+    <p:extLst>
+      <p:ext uri="{BB962C8B-B14F-4D97-AF65-F5344CB8AC3E}">
+        <p14:creationId xmlns:p14="http://schemas.microsoft.com/office/powerpoint/2010/main" val="2108842249"/>
+      </p:ext>
+    </p:extLst>
+  </p:cSld>
+  <p:clrMapOvr>
+    <a:masterClrMapping/>
+  </p:clrMapOvr>
+</p:sld>
+</file>
+
+<file path=ppt/slides/slide7.xml><?xml version="1.0" encoding="utf-8"?>
+<p:sld xmlns:a="http://schemas.openxmlformats.org/drawingml/2006/main" xmlns:r="http://schemas.openxmlformats.org/officeDocument/2006/relationships" xmlns:p="http://schemas.openxmlformats.org/presentationml/2006/main">
+  <p:cSld>
+    <p:spTree>
+      <p:nvGrpSpPr>
+        <p:cNvPr id="1" name="">
+          <a:extLst>
+            <a:ext uri="{FF2B5EF4-FFF2-40B4-BE49-F238E27FC236}">
+              <a16:creationId xmlns:a16="http://schemas.microsoft.com/office/drawing/2014/main" id="{90A139CF-ECDA-683D-A3E5-94E27E47EFDB}"/>
+            </a:ext>
+          </a:extLst>
+        </p:cNvPr>
+        <p:cNvGrpSpPr/>
+        <p:nvPr/>
+      </p:nvGrpSpPr>
+      <p:grpSpPr>
+        <a:xfrm>
+          <a:off x="0" y="0"/>
+          <a:ext cx="0" cy="0"/>
+          <a:chOff x="0" y="0"/>
+          <a:chExt cx="0" cy="0"/>
+        </a:xfrm>
+      </p:grpSpPr>
+      <p:graphicFrame>
+        <p:nvGraphicFramePr>
+          <p:cNvPr id="2" name="Table 1">
+            <a:extLst>
+              <a:ext uri="{FF2B5EF4-FFF2-40B4-BE49-F238E27FC236}">
+                <a16:creationId xmlns:a16="http://schemas.microsoft.com/office/drawing/2014/main" id="{6B8115A8-C67C-5930-0D4A-7D0568DF4908}"/>
+              </a:ext>
+            </a:extLst>
+          </p:cNvPr>
+          <p:cNvGraphicFramePr>
+            <a:graphicFrameLocks noGrp="1"/>
+          </p:cNvGraphicFramePr>
+          <p:nvPr>
+            <p:extLst>
+              <p:ext uri="{D42A27DB-BD31-4B8C-83A1-F6EECF244321}">
+                <p14:modId xmlns:p14="http://schemas.microsoft.com/office/powerpoint/2010/main" val="585036064"/>
+              </p:ext>
+            </p:extLst>
+          </p:nvPr>
+        </p:nvGraphicFramePr>
+        <p:xfrm>
+          <a:off x="142876" y="157163"/>
+          <a:ext cx="11887198" cy="6500810"/>
+        </p:xfrm>
+        <a:graphic>
+          <a:graphicData uri="http://schemas.openxmlformats.org/drawingml/2006/table">
+            <a:tbl>
+              <a:tblPr firstRow="1" bandRow="1">
+                <a:tableStyleId>{5C22544A-7EE6-4342-B048-85BDC9FD1C3A}</a:tableStyleId>
+              </a:tblPr>
+              <a:tblGrid>
+                <a:gridCol w="1698171">
+                  <a:extLst>
+                    <a:ext uri="{9D8B030D-6E8A-4147-A177-3AD203B41FA5}">
+                      <a16:colId xmlns:a16="http://schemas.microsoft.com/office/drawing/2014/main" val="1689589497"/>
+                    </a:ext>
+                  </a:extLst>
+                </a:gridCol>
+                <a:gridCol w="1583571">
+                  <a:extLst>
+                    <a:ext uri="{9D8B030D-6E8A-4147-A177-3AD203B41FA5}">
+                      <a16:colId xmlns:a16="http://schemas.microsoft.com/office/drawing/2014/main" val="2484241386"/>
+                    </a:ext>
+                  </a:extLst>
+                </a:gridCol>
+                <a:gridCol w="1443966">
+                  <a:extLst>
+                    <a:ext uri="{9D8B030D-6E8A-4147-A177-3AD203B41FA5}">
+                      <a16:colId xmlns:a16="http://schemas.microsoft.com/office/drawing/2014/main" val="1057772542"/>
+                    </a:ext>
+                  </a:extLst>
+                </a:gridCol>
+                <a:gridCol w="2066977">
+                  <a:extLst>
+                    <a:ext uri="{9D8B030D-6E8A-4147-A177-3AD203B41FA5}">
+                      <a16:colId xmlns:a16="http://schemas.microsoft.com/office/drawing/2014/main" val="3722476855"/>
+                    </a:ext>
+                  </a:extLst>
+                </a:gridCol>
+                <a:gridCol w="1698171">
+                  <a:extLst>
+                    <a:ext uri="{9D8B030D-6E8A-4147-A177-3AD203B41FA5}">
+                      <a16:colId xmlns:a16="http://schemas.microsoft.com/office/drawing/2014/main" val="681179607"/>
+                    </a:ext>
+                  </a:extLst>
+                </a:gridCol>
+                <a:gridCol w="1698171">
+                  <a:extLst>
+                    <a:ext uri="{9D8B030D-6E8A-4147-A177-3AD203B41FA5}">
+                      <a16:colId xmlns:a16="http://schemas.microsoft.com/office/drawing/2014/main" val="941116877"/>
+                    </a:ext>
+                  </a:extLst>
+                </a:gridCol>
+                <a:gridCol w="1698171">
+                  <a:extLst>
+                    <a:ext uri="{9D8B030D-6E8A-4147-A177-3AD203B41FA5}">
+                      <a16:colId xmlns:a16="http://schemas.microsoft.com/office/drawing/2014/main" val="218740547"/>
+                    </a:ext>
+                  </a:extLst>
+                </a:gridCol>
+              </a:tblGrid>
+              <a:tr h="387395">
+                <a:tc>
+                  <a:txBody>
+                    <a:bodyPr/>
+                    <a:lstStyle/>
+                    <a:p>
+                      <a:r>
+                        <a:rPr lang="en-US" dirty="0"/>
+                        <a:t>Model</a:t>
+                      </a:r>
+                      <a:endParaRPr lang="en-MY" dirty="0"/>
+                    </a:p>
+                  </a:txBody>
+                  <a:tcPr/>
+                </a:tc>
+                <a:tc>
+                  <a:txBody>
+                    <a:bodyPr/>
+                    <a:lstStyle/>
+                    <a:p>
+                      <a:r>
+                        <a:rPr lang="en-US" dirty="0"/>
+                        <a:t>Y Type</a:t>
+                      </a:r>
+                      <a:endParaRPr lang="en-MY" dirty="0"/>
+                    </a:p>
+                  </a:txBody>
+                  <a:tcPr/>
+                </a:tc>
+                <a:tc>
+                  <a:txBody>
+                    <a:bodyPr/>
+                    <a:lstStyle/>
+                    <a:p>
+                      <a:r>
+                        <a:rPr lang="en-US" dirty="0"/>
+                        <a:t>X Type</a:t>
+                      </a:r>
+                      <a:endParaRPr lang="en-MY" dirty="0"/>
+                    </a:p>
+                  </a:txBody>
+                  <a:tcPr/>
+                </a:tc>
+                <a:tc>
+                  <a:txBody>
+                    <a:bodyPr/>
+                    <a:lstStyle/>
+                    <a:p>
+                      <a:r>
+                        <a:rPr lang="en-US" dirty="0"/>
+                        <a:t>Task Type</a:t>
+                      </a:r>
+                      <a:endParaRPr lang="en-MY" dirty="0"/>
+                    </a:p>
+                  </a:txBody>
+                  <a:tcPr/>
+                </a:tc>
+                <a:tc>
+                  <a:txBody>
+                    <a:bodyPr/>
+                    <a:lstStyle/>
+                    <a:p>
+                      <a:r>
+                        <a:rPr lang="en-US" dirty="0"/>
+                        <a:t>Learning Type</a:t>
+                      </a:r>
+                      <a:endParaRPr lang="en-MY" dirty="0"/>
+                    </a:p>
+                  </a:txBody>
+                  <a:tcPr/>
+                </a:tc>
+                <a:tc>
+                  <a:txBody>
+                    <a:bodyPr/>
+                    <a:lstStyle/>
+                    <a:p>
+                      <a:r>
+                        <a:rPr lang="en-US" dirty="0"/>
+                        <a:t>Advantage</a:t>
+                      </a:r>
+                      <a:endParaRPr lang="en-MY" dirty="0"/>
+                    </a:p>
+                  </a:txBody>
+                  <a:tcPr/>
+                </a:tc>
+                <a:tc>
+                  <a:txBody>
+                    <a:bodyPr/>
+                    <a:lstStyle/>
+                    <a:p>
+                      <a:r>
+                        <a:rPr lang="en-US" dirty="0"/>
+                        <a:t>Disadvantage</a:t>
+                      </a:r>
+                      <a:endParaRPr lang="en-MY" dirty="0"/>
+                    </a:p>
+                  </a:txBody>
+                  <a:tcPr/>
+                </a:tc>
+                <a:extLst>
+                  <a:ext uri="{0D108BD9-81ED-4DB2-BD59-A6C34878D82A}">
+                    <a16:rowId xmlns:a16="http://schemas.microsoft.com/office/drawing/2014/main" val="554896522"/>
+                  </a:ext>
+                </a:extLst>
+              </a:tr>
+              <a:tr h="668655">
+                <a:tc>
+                  <a:txBody>
+                    <a:bodyPr/>
+                    <a:lstStyle/>
+                    <a:p>
+                      <a:r>
+                        <a:rPr lang="en-US" dirty="0"/>
+                        <a:t>Bagging</a:t>
+                      </a:r>
+                      <a:endParaRPr lang="en-MY" dirty="0"/>
+                    </a:p>
+                  </a:txBody>
+                  <a:tcPr/>
+                </a:tc>
+                <a:tc>
+                  <a:txBody>
+                    <a:bodyPr/>
+                    <a:lstStyle/>
+                    <a:p>
+                      <a:r>
+                        <a:rPr lang="en-US" dirty="0"/>
+                        <a:t>Categorical/Continuous</a:t>
+                      </a:r>
+                      <a:endParaRPr lang="en-MY" dirty="0"/>
+                    </a:p>
+                  </a:txBody>
+                  <a:tcPr/>
+                </a:tc>
+                <a:tc>
+                  <a:txBody>
+                    <a:bodyPr/>
+                    <a:lstStyle/>
+                    <a:p>
+                      <a:r>
+                        <a:rPr lang="en-US" dirty="0"/>
+                        <a:t>Numerical/Categorical</a:t>
+                      </a:r>
+                      <a:endParaRPr lang="en-MY" dirty="0"/>
+                    </a:p>
+                  </a:txBody>
+                  <a:tcPr/>
+                </a:tc>
+                <a:tc>
+                  <a:txBody>
+                    <a:bodyPr/>
+                    <a:lstStyle/>
+                    <a:p>
+                      <a:r>
+                        <a:rPr lang="en-US" dirty="0"/>
+                        <a:t>Both</a:t>
+                      </a:r>
+                      <a:endParaRPr lang="en-MY" dirty="0"/>
+                    </a:p>
+                  </a:txBody>
+                  <a:tcPr/>
+                </a:tc>
+                <a:tc>
+                  <a:txBody>
+                    <a:bodyPr/>
+                    <a:lstStyle/>
+                    <a:p>
+                      <a:r>
+                        <a:rPr lang="en-US" dirty="0"/>
+                        <a:t>Supervised</a:t>
+                      </a:r>
+                    </a:p>
+                    <a:p>
+                      <a:endParaRPr lang="en-MY" dirty="0"/>
+                    </a:p>
+                  </a:txBody>
+                  <a:tcPr/>
+                </a:tc>
+                <a:tc>
+                  <a:txBody>
+                    <a:bodyPr/>
+                    <a:lstStyle/>
+                    <a:p>
+                      <a:endParaRPr lang="en-MY" dirty="0"/>
+                    </a:p>
+                  </a:txBody>
+                  <a:tcPr/>
+                </a:tc>
+                <a:tc>
+                  <a:txBody>
+                    <a:bodyPr/>
+                    <a:lstStyle/>
+                    <a:p>
+                      <a:endParaRPr lang="en-MY" dirty="0"/>
+                    </a:p>
+                  </a:txBody>
+                  <a:tcPr/>
+                </a:tc>
+                <a:extLst>
+                  <a:ext uri="{0D108BD9-81ED-4DB2-BD59-A6C34878D82A}">
+                    <a16:rowId xmlns:a16="http://schemas.microsoft.com/office/drawing/2014/main" val="2452418569"/>
+                  </a:ext>
+                </a:extLst>
+              </a:tr>
+              <a:tr h="668655">
+                <a:tc>
+                  <a:txBody>
+                    <a:bodyPr/>
+                    <a:lstStyle/>
+                    <a:p>
+                      <a:r>
+                        <a:rPr lang="en-US" dirty="0"/>
+                        <a:t>Boosting</a:t>
+                      </a:r>
+                      <a:endParaRPr lang="en-MY" dirty="0"/>
+                    </a:p>
+                  </a:txBody>
+                  <a:tcPr/>
+                </a:tc>
+                <a:tc>
+                  <a:txBody>
+                    <a:bodyPr/>
+                    <a:lstStyle/>
+                    <a:p>
+                      <a:r>
+                        <a:rPr lang="en-US" dirty="0"/>
+                        <a:t>Categorical/Continuous</a:t>
+                      </a:r>
+                      <a:endParaRPr lang="en-MY" dirty="0"/>
+                    </a:p>
+                  </a:txBody>
+                  <a:tcPr/>
+                </a:tc>
+                <a:tc>
+                  <a:txBody>
+                    <a:bodyPr/>
+                    <a:lstStyle/>
+                    <a:p>
+                      <a:r>
+                        <a:rPr lang="en-US" dirty="0"/>
+                        <a:t>Numerical/Categorical</a:t>
+                      </a:r>
+                      <a:endParaRPr lang="en-MY" dirty="0"/>
+                    </a:p>
+                  </a:txBody>
+                  <a:tcPr/>
+                </a:tc>
+                <a:tc>
+                  <a:txBody>
+                    <a:bodyPr/>
+                    <a:lstStyle/>
+                    <a:p>
+                      <a:r>
+                        <a:rPr lang="en-US" dirty="0"/>
+                        <a:t>Both</a:t>
+                      </a:r>
+                      <a:endParaRPr lang="en-MY" dirty="0"/>
+                    </a:p>
+                  </a:txBody>
+                  <a:tcPr/>
+                </a:tc>
+                <a:tc>
+                  <a:txBody>
+                    <a:bodyPr/>
+                    <a:lstStyle/>
+                    <a:p>
+                      <a:r>
+                        <a:rPr lang="en-US" dirty="0"/>
+                        <a:t>Supervised</a:t>
+                      </a:r>
+                      <a:endParaRPr lang="en-MY" dirty="0"/>
+                    </a:p>
+                  </a:txBody>
+                  <a:tcPr/>
+                </a:tc>
+                <a:tc>
+                  <a:txBody>
+                    <a:bodyPr/>
+                    <a:lstStyle/>
+                    <a:p>
+                      <a:endParaRPr lang="en-MY" dirty="0"/>
+                    </a:p>
+                  </a:txBody>
+                  <a:tcPr/>
+                </a:tc>
+                <a:tc>
+                  <a:txBody>
+                    <a:bodyPr/>
+                    <a:lstStyle/>
+                    <a:p>
+                      <a:endParaRPr lang="en-MY" dirty="0"/>
+                    </a:p>
+                  </a:txBody>
+                  <a:tcPr/>
+                </a:tc>
+                <a:extLst>
+                  <a:ext uri="{0D108BD9-81ED-4DB2-BD59-A6C34878D82A}">
+                    <a16:rowId xmlns:a16="http://schemas.microsoft.com/office/drawing/2014/main" val="3237841522"/>
+                  </a:ext>
+                </a:extLst>
+              </a:tr>
+              <a:tr h="955221">
+                <a:tc>
+                  <a:txBody>
+                    <a:bodyPr/>
+                    <a:lstStyle/>
+                    <a:p>
+                      <a:r>
+                        <a:rPr lang="en-US" dirty="0"/>
+                        <a:t>Support Vector Machine (SVM)</a:t>
+                      </a:r>
+                      <a:endParaRPr lang="en-MY" dirty="0"/>
+                    </a:p>
+                  </a:txBody>
+                  <a:tcPr/>
+                </a:tc>
+                <a:tc>
+                  <a:txBody>
+                    <a:bodyPr/>
+                    <a:lstStyle/>
+                    <a:p>
+                      <a:r>
+                        <a:rPr lang="en-US" dirty="0"/>
+                        <a:t>Categorical</a:t>
+                      </a:r>
+                      <a:endParaRPr lang="en-MY" dirty="0"/>
+                    </a:p>
+                  </a:txBody>
+                  <a:tcPr/>
+                </a:tc>
+                <a:tc>
+                  <a:txBody>
+                    <a:bodyPr/>
+                    <a:lstStyle/>
+                    <a:p>
+                      <a:r>
+                        <a:rPr lang="en-US" dirty="0"/>
+                        <a:t>Numerical</a:t>
+                      </a:r>
+                      <a:endParaRPr lang="en-MY" dirty="0"/>
+                    </a:p>
+                  </a:txBody>
+                  <a:tcPr/>
+                </a:tc>
+                <a:tc>
+                  <a:txBody>
+                    <a:bodyPr/>
+                    <a:lstStyle/>
+                    <a:p>
+                      <a:r>
+                        <a:rPr lang="en-US" dirty="0"/>
+                        <a:t>Classification</a:t>
+                      </a:r>
+                      <a:endParaRPr lang="en-MY" dirty="0"/>
+                    </a:p>
+                  </a:txBody>
+                  <a:tcPr/>
+                </a:tc>
+                <a:tc>
+                  <a:txBody>
+                    <a:bodyPr/>
+                    <a:lstStyle/>
+                    <a:p>
+                      <a:r>
+                        <a:rPr lang="en-US" dirty="0"/>
+                        <a:t>Supervised</a:t>
+                      </a:r>
+                      <a:endParaRPr lang="en-MY" dirty="0"/>
+                    </a:p>
+                  </a:txBody>
+                  <a:tcPr/>
+                </a:tc>
+                <a:tc>
+                  <a:txBody>
+                    <a:bodyPr/>
+                    <a:lstStyle/>
+                    <a:p>
+                      <a:endParaRPr lang="en-MY" dirty="0"/>
+                    </a:p>
+                  </a:txBody>
+                  <a:tcPr/>
+                </a:tc>
+                <a:tc>
+                  <a:txBody>
+                    <a:bodyPr/>
+                    <a:lstStyle/>
+                    <a:p>
+                      <a:endParaRPr lang="en-MY" dirty="0"/>
+                    </a:p>
+                  </a:txBody>
+                  <a:tcPr/>
+                </a:tc>
+                <a:extLst>
+                  <a:ext uri="{0D108BD9-81ED-4DB2-BD59-A6C34878D82A}">
+                    <a16:rowId xmlns:a16="http://schemas.microsoft.com/office/drawing/2014/main" val="3413963664"/>
+                  </a:ext>
+                </a:extLst>
+              </a:tr>
+              <a:tr h="955221">
+                <a:tc>
+                  <a:txBody>
+                    <a:bodyPr/>
+                    <a:lstStyle/>
+                    <a:p>
+                      <a:r>
+                        <a:rPr lang="en-US" dirty="0"/>
+                        <a:t>Principal Component Analysis (PCA)</a:t>
+                      </a:r>
+                      <a:endParaRPr lang="en-MY" dirty="0"/>
+                    </a:p>
+                  </a:txBody>
+                  <a:tcPr/>
+                </a:tc>
+                <a:tc>
+                  <a:txBody>
+                    <a:bodyPr/>
+                    <a:lstStyle/>
+                    <a:p>
+                      <a:r>
+                        <a:rPr lang="en-US" dirty="0"/>
+                        <a:t>N/A</a:t>
+                      </a:r>
+                      <a:endParaRPr lang="en-MY" dirty="0"/>
+                    </a:p>
+                  </a:txBody>
+                  <a:tcPr/>
+                </a:tc>
+                <a:tc>
+                  <a:txBody>
+                    <a:bodyPr/>
+                    <a:lstStyle/>
+                    <a:p>
+                      <a:r>
+                        <a:rPr lang="en-US" dirty="0"/>
+                        <a:t>Numerical</a:t>
+                      </a:r>
+                      <a:endParaRPr lang="en-MY" dirty="0"/>
+                    </a:p>
+                  </a:txBody>
+                  <a:tcPr/>
+                </a:tc>
+                <a:tc>
+                  <a:txBody>
+                    <a:bodyPr/>
+                    <a:lstStyle/>
+                    <a:p>
+                      <a:r>
+                        <a:rPr lang="en-US" dirty="0"/>
+                        <a:t>N/A</a:t>
+                      </a:r>
+                      <a:endParaRPr lang="en-MY" dirty="0"/>
+                    </a:p>
+                  </a:txBody>
+                  <a:tcPr/>
+                </a:tc>
+                <a:tc>
+                  <a:txBody>
+                    <a:bodyPr/>
+                    <a:lstStyle/>
+                    <a:p>
+                      <a:r>
+                        <a:rPr lang="en-US" dirty="0"/>
+                        <a:t>Unsupervised</a:t>
+                      </a:r>
+                      <a:endParaRPr lang="en-MY" dirty="0"/>
+                    </a:p>
+                  </a:txBody>
+                  <a:tcPr/>
+                </a:tc>
+                <a:tc>
+                  <a:txBody>
+                    <a:bodyPr/>
+                    <a:lstStyle/>
+                    <a:p>
+                      <a:endParaRPr lang="en-MY" dirty="0"/>
+                    </a:p>
+                  </a:txBody>
+                  <a:tcPr/>
+                </a:tc>
+                <a:tc>
+                  <a:txBody>
+                    <a:bodyPr/>
+                    <a:lstStyle/>
+                    <a:p>
+                      <a:endParaRPr lang="en-MY" dirty="0"/>
+                    </a:p>
+                  </a:txBody>
+                  <a:tcPr/>
+                </a:tc>
+                <a:extLst>
+                  <a:ext uri="{0D108BD9-81ED-4DB2-BD59-A6C34878D82A}">
+                    <a16:rowId xmlns:a16="http://schemas.microsoft.com/office/drawing/2014/main" val="1179742548"/>
+                  </a:ext>
+                </a:extLst>
+              </a:tr>
+              <a:tr h="955221">
+                <a:tc>
+                  <a:txBody>
+                    <a:bodyPr/>
+                    <a:lstStyle/>
+                    <a:p>
+                      <a:r>
+                        <a:rPr lang="en-US" dirty="0"/>
+                        <a:t>Clustering (K-Means)</a:t>
+                      </a:r>
+                      <a:endParaRPr lang="en-MY" dirty="0"/>
+                    </a:p>
+                  </a:txBody>
+                  <a:tcPr/>
+                </a:tc>
+                <a:tc>
+                  <a:txBody>
+                    <a:bodyPr/>
+                    <a:lstStyle/>
+                    <a:p>
+                      <a:r>
+                        <a:rPr lang="en-US" dirty="0"/>
+                        <a:t>N/A</a:t>
+                      </a:r>
+                      <a:endParaRPr lang="en-MY" dirty="0"/>
+                    </a:p>
+                  </a:txBody>
+                  <a:tcPr/>
+                </a:tc>
+                <a:tc>
+                  <a:txBody>
+                    <a:bodyPr/>
+                    <a:lstStyle/>
+                    <a:p>
+                      <a:r>
+                        <a:rPr lang="en-US" dirty="0"/>
+                        <a:t>Numerical</a:t>
+                      </a:r>
+                      <a:endParaRPr lang="en-MY" dirty="0"/>
+                    </a:p>
+                  </a:txBody>
+                  <a:tcPr/>
+                </a:tc>
+                <a:tc>
+                  <a:txBody>
+                    <a:bodyPr/>
+                    <a:lstStyle/>
+                    <a:p>
+                      <a:r>
+                        <a:rPr lang="en-US" dirty="0"/>
+                        <a:t>N/A</a:t>
+                      </a:r>
+                      <a:endParaRPr lang="en-MY" dirty="0"/>
+                    </a:p>
+                  </a:txBody>
+                  <a:tcPr/>
+                </a:tc>
+                <a:tc>
+                  <a:txBody>
+                    <a:bodyPr/>
+                    <a:lstStyle/>
+                    <a:p>
+                      <a:r>
+                        <a:rPr lang="en-US" dirty="0"/>
+                        <a:t>Unsupervised</a:t>
+                      </a:r>
+                      <a:endParaRPr lang="en-MY" dirty="0"/>
+                    </a:p>
+                  </a:txBody>
+                  <a:tcPr/>
+                </a:tc>
+                <a:tc>
+                  <a:txBody>
+                    <a:bodyPr/>
+                    <a:lstStyle/>
+                    <a:p>
+                      <a:endParaRPr lang="en-MY" dirty="0"/>
+                    </a:p>
+                  </a:txBody>
+                  <a:tcPr/>
+                </a:tc>
+                <a:tc>
+                  <a:txBody>
+                    <a:bodyPr/>
+                    <a:lstStyle/>
+                    <a:p>
+                      <a:endParaRPr lang="en-MY" dirty="0"/>
+                    </a:p>
+                  </a:txBody>
+                  <a:tcPr/>
+                </a:tc>
+                <a:extLst>
+                  <a:ext uri="{0D108BD9-81ED-4DB2-BD59-A6C34878D82A}">
+                    <a16:rowId xmlns:a16="http://schemas.microsoft.com/office/drawing/2014/main" val="355881352"/>
+                  </a:ext>
+                </a:extLst>
+              </a:tr>
+              <a:tr h="955221">
+                <a:tc>
+                  <a:txBody>
+                    <a:bodyPr/>
+                    <a:lstStyle/>
+                    <a:p>
+                      <a:r>
+                        <a:rPr lang="en-US" dirty="0"/>
+                        <a:t> Neural Network</a:t>
+                      </a:r>
+                      <a:endParaRPr lang="en-MY" dirty="0"/>
+                    </a:p>
+                  </a:txBody>
+                  <a:tcPr/>
+                </a:tc>
+                <a:tc>
+                  <a:txBody>
+                    <a:bodyPr/>
+                    <a:lstStyle/>
+                    <a:p>
+                      <a:r>
+                        <a:rPr lang="en-US" dirty="0"/>
+                        <a:t>Categorical/Continuous</a:t>
+                      </a:r>
+                      <a:endParaRPr lang="en-MY" dirty="0"/>
+                    </a:p>
+                  </a:txBody>
+                  <a:tcPr/>
+                </a:tc>
+                <a:tc>
+                  <a:txBody>
+                    <a:bodyPr/>
+                    <a:lstStyle/>
+                    <a:p>
+                      <a:r>
+                        <a:rPr lang="en-US" dirty="0"/>
+                        <a:t>Numerical</a:t>
+                      </a:r>
+                      <a:endParaRPr lang="en-MY" dirty="0"/>
+                    </a:p>
+                  </a:txBody>
+                  <a:tcPr/>
+                </a:tc>
+                <a:tc>
+                  <a:txBody>
+                    <a:bodyPr/>
+                    <a:lstStyle/>
+                    <a:p>
+                      <a:r>
+                        <a:rPr lang="en-US" dirty="0"/>
+                        <a:t>Both</a:t>
+                      </a:r>
+                      <a:endParaRPr lang="en-MY" dirty="0"/>
+                    </a:p>
+                  </a:txBody>
+                  <a:tcPr/>
+                </a:tc>
+                <a:tc>
+                  <a:txBody>
+                    <a:bodyPr/>
+                    <a:lstStyle/>
+                    <a:p>
+                      <a:r>
+                        <a:rPr lang="en-US" dirty="0"/>
+                        <a:t>Supervised</a:t>
+                      </a:r>
+                      <a:endParaRPr lang="en-MY" dirty="0"/>
+                    </a:p>
+                  </a:txBody>
+                  <a:tcPr/>
+                </a:tc>
+                <a:tc>
+                  <a:txBody>
+                    <a:bodyPr/>
+                    <a:lstStyle/>
+                    <a:p>
+                      <a:endParaRPr lang="en-MY" dirty="0"/>
+                    </a:p>
+                  </a:txBody>
+                  <a:tcPr/>
+                </a:tc>
+                <a:tc>
+                  <a:txBody>
+                    <a:bodyPr/>
+                    <a:lstStyle/>
+                    <a:p>
+                      <a:endParaRPr lang="en-MY" dirty="0"/>
+                    </a:p>
+                  </a:txBody>
+                  <a:tcPr/>
+                </a:tc>
+                <a:extLst>
+                  <a:ext uri="{0D108BD9-81ED-4DB2-BD59-A6C34878D82A}">
+                    <a16:rowId xmlns:a16="http://schemas.microsoft.com/office/drawing/2014/main" val="1959226609"/>
+                  </a:ext>
+                </a:extLst>
+              </a:tr>
+              <a:tr h="955221">
+                <a:tc>
+                  <a:txBody>
+                    <a:bodyPr/>
+                    <a:lstStyle/>
+                    <a:p>
+                      <a:r>
+                        <a:rPr lang="en-US" dirty="0"/>
+                        <a:t>Random Forest</a:t>
+                      </a:r>
+                      <a:endParaRPr lang="en-MY" dirty="0"/>
+                    </a:p>
+                  </a:txBody>
+                  <a:tcPr/>
+                </a:tc>
+                <a:tc>
+                  <a:txBody>
+                    <a:bodyPr/>
+                    <a:lstStyle/>
+                    <a:p>
+                      <a:r>
+                        <a:rPr lang="en-US" dirty="0"/>
+                        <a:t>Categorical/Continuous</a:t>
+                      </a:r>
+                      <a:endParaRPr lang="en-MY" dirty="0"/>
+                    </a:p>
+                  </a:txBody>
+                  <a:tcPr/>
+                </a:tc>
+                <a:tc>
+                  <a:txBody>
+                    <a:bodyPr/>
+                    <a:lstStyle/>
+                    <a:p>
+                      <a:r>
+                        <a:rPr lang="en-US" dirty="0"/>
+                        <a:t>Numerical/Category</a:t>
+                      </a:r>
+                      <a:endParaRPr lang="en-MY" dirty="0"/>
+                    </a:p>
+                  </a:txBody>
+                  <a:tcPr/>
+                </a:tc>
+                <a:tc>
+                  <a:txBody>
+                    <a:bodyPr/>
+                    <a:lstStyle/>
+                    <a:p>
+                      <a:r>
+                        <a:rPr lang="en-US" dirty="0"/>
+                        <a:t>Both</a:t>
+                      </a:r>
+                      <a:endParaRPr lang="en-MY" dirty="0"/>
+                    </a:p>
+                  </a:txBody>
+                  <a:tcPr/>
+                </a:tc>
+                <a:tc>
+                  <a:txBody>
+                    <a:bodyPr/>
+                    <a:lstStyle/>
+                    <a:p>
+                      <a:r>
+                        <a:rPr lang="en-US" dirty="0"/>
+                        <a:t>Supervised</a:t>
+                      </a:r>
+                      <a:endParaRPr lang="en-MY" dirty="0"/>
+                    </a:p>
+                  </a:txBody>
+                  <a:tcPr/>
+                </a:tc>
+                <a:tc>
+                  <a:txBody>
+                    <a:bodyPr/>
+                    <a:lstStyle/>
+                    <a:p>
+                      <a:endParaRPr lang="en-MY" dirty="0"/>
+                    </a:p>
+                  </a:txBody>
+                  <a:tcPr/>
+                </a:tc>
+                <a:tc>
+                  <a:txBody>
+                    <a:bodyPr/>
+                    <a:lstStyle/>
+                    <a:p>
+                      <a:endParaRPr lang="en-MY" dirty="0"/>
+                    </a:p>
+                  </a:txBody>
+                  <a:tcPr/>
+                </a:tc>
+                <a:extLst>
+                  <a:ext uri="{0D108BD9-81ED-4DB2-BD59-A6C34878D82A}">
+                    <a16:rowId xmlns:a16="http://schemas.microsoft.com/office/drawing/2014/main" val="3478211886"/>
+                  </a:ext>
+                </a:extLst>
+              </a:tr>
+            </a:tbl>
+          </a:graphicData>
+        </a:graphic>
+      </p:graphicFrame>
+    </p:spTree>
+    <p:extLst>
+      <p:ext uri="{BB962C8B-B14F-4D97-AF65-F5344CB8AC3E}">
+        <p14:creationId xmlns:p14="http://schemas.microsoft.com/office/powerpoint/2010/main" val="4172843115"/>
+      </p:ext>
+    </p:extLst>
+  </p:cSld>
+  <p:clrMapOvr>
+    <a:masterClrMapping/>
+  </p:clrMapOvr>
+</p:sld>
+</file>
+
+<file path=ppt/slides/slide8.xml><?xml version="1.0" encoding="utf-8"?>
+<p:sld xmlns:a="http://schemas.openxmlformats.org/drawingml/2006/main" xmlns:r="http://schemas.openxmlformats.org/officeDocument/2006/relationships" xmlns:p="http://schemas.openxmlformats.org/presentationml/2006/main">
+  <p:cSld>
+    <p:spTree>
+      <p:nvGrpSpPr>
+        <p:cNvPr id="1" name="">
+          <a:extLst>
+            <a:ext uri="{FF2B5EF4-FFF2-40B4-BE49-F238E27FC236}">
+              <a16:creationId xmlns:a16="http://schemas.microsoft.com/office/drawing/2014/main" id="{5F714D5F-7CC8-87DB-8E67-007C091D5DE7}"/>
+            </a:ext>
+          </a:extLst>
+        </p:cNvPr>
+        <p:cNvGrpSpPr/>
+        <p:nvPr/>
+      </p:nvGrpSpPr>
+      <p:grpSpPr>
+        <a:xfrm>
+          <a:off x="0" y="0"/>
+          <a:ext cx="0" cy="0"/>
+          <a:chOff x="0" y="0"/>
+          <a:chExt cx="0" cy="0"/>
+        </a:xfrm>
+      </p:grpSpPr>
+      <p:graphicFrame>
+        <p:nvGraphicFramePr>
+          <p:cNvPr id="2" name="Table 1">
+            <a:extLst>
+              <a:ext uri="{FF2B5EF4-FFF2-40B4-BE49-F238E27FC236}">
+                <a16:creationId xmlns:a16="http://schemas.microsoft.com/office/drawing/2014/main" id="{DAC9AB88-3D97-C6FE-4279-CB00ED9506FA}"/>
+              </a:ext>
+            </a:extLst>
+          </p:cNvPr>
+          <p:cNvGraphicFramePr>
+            <a:graphicFrameLocks noGrp="1"/>
+          </p:cNvGraphicFramePr>
+          <p:nvPr>
+            <p:extLst>
+              <p:ext uri="{D42A27DB-BD31-4B8C-83A1-F6EECF244321}">
+                <p14:modId xmlns:p14="http://schemas.microsoft.com/office/powerpoint/2010/main" val="274413276"/>
+              </p:ext>
+            </p:extLst>
+          </p:nvPr>
+        </p:nvGraphicFramePr>
+        <p:xfrm>
+          <a:off x="142876" y="157163"/>
+          <a:ext cx="11830049" cy="6529386"/>
+        </p:xfrm>
+        <a:graphic>
+          <a:graphicData uri="http://schemas.openxmlformats.org/drawingml/2006/table">
+            <a:tbl>
+              <a:tblPr firstRow="1" bandRow="1">
+                <a:tableStyleId>{5C22544A-7EE6-4342-B048-85BDC9FD1C3A}</a:tableStyleId>
+              </a:tblPr>
+              <a:tblGrid>
+                <a:gridCol w="1690007">
+                  <a:extLst>
+                    <a:ext uri="{9D8B030D-6E8A-4147-A177-3AD203B41FA5}">
+                      <a16:colId xmlns:a16="http://schemas.microsoft.com/office/drawing/2014/main" val="1689589497"/>
+                    </a:ext>
+                  </a:extLst>
+                </a:gridCol>
+                <a:gridCol w="1575957">
+                  <a:extLst>
+                    <a:ext uri="{9D8B030D-6E8A-4147-A177-3AD203B41FA5}">
+                      <a16:colId xmlns:a16="http://schemas.microsoft.com/office/drawing/2014/main" val="2484241386"/>
+                    </a:ext>
+                  </a:extLst>
+                </a:gridCol>
+                <a:gridCol w="1437024">
+                  <a:extLst>
+                    <a:ext uri="{9D8B030D-6E8A-4147-A177-3AD203B41FA5}">
+                      <a16:colId xmlns:a16="http://schemas.microsoft.com/office/drawing/2014/main" val="1057772542"/>
+                    </a:ext>
+                  </a:extLst>
+                </a:gridCol>
+                <a:gridCol w="2057040">
+                  <a:extLst>
+                    <a:ext uri="{9D8B030D-6E8A-4147-A177-3AD203B41FA5}">
+                      <a16:colId xmlns:a16="http://schemas.microsoft.com/office/drawing/2014/main" val="3722476855"/>
+                    </a:ext>
+                  </a:extLst>
+                </a:gridCol>
+                <a:gridCol w="1690007">
+                  <a:extLst>
+                    <a:ext uri="{9D8B030D-6E8A-4147-A177-3AD203B41FA5}">
+                      <a16:colId xmlns:a16="http://schemas.microsoft.com/office/drawing/2014/main" val="681179607"/>
+                    </a:ext>
+                  </a:extLst>
+                </a:gridCol>
+                <a:gridCol w="1690007">
+                  <a:extLst>
+                    <a:ext uri="{9D8B030D-6E8A-4147-A177-3AD203B41FA5}">
+                      <a16:colId xmlns:a16="http://schemas.microsoft.com/office/drawing/2014/main" val="941116877"/>
+                    </a:ext>
+                  </a:extLst>
+                </a:gridCol>
+                <a:gridCol w="1690007">
+                  <a:extLst>
+                    <a:ext uri="{9D8B030D-6E8A-4147-A177-3AD203B41FA5}">
+                      <a16:colId xmlns:a16="http://schemas.microsoft.com/office/drawing/2014/main" val="218740547"/>
+                    </a:ext>
+                  </a:extLst>
+                </a:gridCol>
+              </a:tblGrid>
+              <a:tr h="389098">
+                <a:tc>
+                  <a:txBody>
+                    <a:bodyPr/>
+                    <a:lstStyle/>
+                    <a:p>
+                      <a:r>
+                        <a:rPr lang="en-US" dirty="0"/>
+                        <a:t>Model</a:t>
+                      </a:r>
+                      <a:endParaRPr lang="en-MY" dirty="0"/>
+                    </a:p>
+                  </a:txBody>
+                  <a:tcPr/>
+                </a:tc>
+                <a:tc>
+                  <a:txBody>
+                    <a:bodyPr/>
+                    <a:lstStyle/>
+                    <a:p>
+                      <a:r>
+                        <a:rPr lang="en-US" dirty="0"/>
+                        <a:t>Y Type</a:t>
+                      </a:r>
+                      <a:endParaRPr lang="en-MY" dirty="0"/>
+                    </a:p>
+                  </a:txBody>
+                  <a:tcPr/>
+                </a:tc>
+                <a:tc>
+                  <a:txBody>
+                    <a:bodyPr/>
+                    <a:lstStyle/>
+                    <a:p>
+                      <a:r>
+                        <a:rPr lang="en-US" dirty="0"/>
+                        <a:t>X Type</a:t>
+                      </a:r>
+                      <a:endParaRPr lang="en-MY" dirty="0"/>
+                    </a:p>
+                  </a:txBody>
+                  <a:tcPr/>
+                </a:tc>
+                <a:tc>
+                  <a:txBody>
+                    <a:bodyPr/>
+                    <a:lstStyle/>
+                    <a:p>
+                      <a:r>
+                        <a:rPr lang="en-US" dirty="0"/>
+                        <a:t>Task Type</a:t>
+                      </a:r>
+                      <a:endParaRPr lang="en-MY" dirty="0"/>
+                    </a:p>
+                  </a:txBody>
+                  <a:tcPr/>
+                </a:tc>
+                <a:tc>
+                  <a:txBody>
+                    <a:bodyPr/>
+                    <a:lstStyle/>
+                    <a:p>
+                      <a:r>
+                        <a:rPr lang="en-US" dirty="0"/>
+                        <a:t>Learning Type</a:t>
+                      </a:r>
+                      <a:endParaRPr lang="en-MY" dirty="0"/>
+                    </a:p>
+                  </a:txBody>
+                  <a:tcPr/>
+                </a:tc>
+                <a:tc>
+                  <a:txBody>
+                    <a:bodyPr/>
+                    <a:lstStyle/>
+                    <a:p>
+                      <a:r>
+                        <a:rPr lang="en-US" dirty="0"/>
+                        <a:t>Advantage</a:t>
+                      </a:r>
+                      <a:endParaRPr lang="en-MY" dirty="0"/>
+                    </a:p>
+                  </a:txBody>
+                  <a:tcPr/>
+                </a:tc>
+                <a:tc>
+                  <a:txBody>
+                    <a:bodyPr/>
+                    <a:lstStyle/>
+                    <a:p>
+                      <a:r>
+                        <a:rPr lang="en-US" dirty="0"/>
+                        <a:t>Disadvantage</a:t>
+                      </a:r>
+                      <a:endParaRPr lang="en-MY" dirty="0"/>
+                    </a:p>
+                  </a:txBody>
+                  <a:tcPr/>
+                </a:tc>
+                <a:extLst>
+                  <a:ext uri="{0D108BD9-81ED-4DB2-BD59-A6C34878D82A}">
+                    <a16:rowId xmlns:a16="http://schemas.microsoft.com/office/drawing/2014/main" val="554896522"/>
+                  </a:ext>
+                </a:extLst>
+              </a:tr>
+              <a:tr h="671594">
+                <a:tc>
+                  <a:txBody>
+                    <a:bodyPr/>
+                    <a:lstStyle/>
+                    <a:p>
+                      <a:r>
+                        <a:rPr lang="en-US" dirty="0"/>
+                        <a:t>Lasso Regression</a:t>
+                      </a:r>
+                      <a:endParaRPr lang="en-MY" dirty="0"/>
+                    </a:p>
+                  </a:txBody>
+                  <a:tcPr/>
+                </a:tc>
+                <a:tc>
+                  <a:txBody>
+                    <a:bodyPr/>
+                    <a:lstStyle/>
+                    <a:p>
+                      <a:r>
+                        <a:rPr lang="en-US" dirty="0"/>
+                        <a:t>Continuous</a:t>
+                      </a:r>
+                      <a:endParaRPr lang="en-MY" dirty="0"/>
+                    </a:p>
+                  </a:txBody>
+                  <a:tcPr/>
+                </a:tc>
+                <a:tc>
+                  <a:txBody>
+                    <a:bodyPr/>
+                    <a:lstStyle/>
+                    <a:p>
+                      <a:r>
+                        <a:rPr lang="en-US" dirty="0"/>
+                        <a:t>Regression</a:t>
+                      </a:r>
+                      <a:endParaRPr lang="en-MY" dirty="0"/>
+                    </a:p>
+                  </a:txBody>
+                  <a:tcPr/>
+                </a:tc>
+                <a:tc>
+                  <a:txBody>
+                    <a:bodyPr/>
+                    <a:lstStyle/>
+                    <a:p>
+                      <a:r>
+                        <a:rPr lang="en-US" dirty="0"/>
+                        <a:t>Both</a:t>
+                      </a:r>
+                      <a:endParaRPr lang="en-MY" dirty="0"/>
+                    </a:p>
+                  </a:txBody>
+                  <a:tcPr/>
+                </a:tc>
+                <a:tc>
+                  <a:txBody>
+                    <a:bodyPr/>
+                    <a:lstStyle/>
+                    <a:p>
+                      <a:r>
+                        <a:rPr lang="en-US" dirty="0"/>
+                        <a:t>Supervised</a:t>
+                      </a:r>
+                    </a:p>
+                    <a:p>
+                      <a:endParaRPr lang="en-MY" dirty="0"/>
+                    </a:p>
+                  </a:txBody>
+                  <a:tcPr/>
+                </a:tc>
+                <a:tc>
+                  <a:txBody>
+                    <a:bodyPr/>
+                    <a:lstStyle/>
+                    <a:p>
+                      <a:endParaRPr lang="en-MY" dirty="0"/>
+                    </a:p>
+                  </a:txBody>
+                  <a:tcPr/>
+                </a:tc>
+                <a:tc>
+                  <a:txBody>
+                    <a:bodyPr/>
+                    <a:lstStyle/>
+                    <a:p>
+                      <a:endParaRPr lang="en-MY" dirty="0"/>
+                    </a:p>
+                  </a:txBody>
+                  <a:tcPr/>
+                </a:tc>
+                <a:extLst>
+                  <a:ext uri="{0D108BD9-81ED-4DB2-BD59-A6C34878D82A}">
+                    <a16:rowId xmlns:a16="http://schemas.microsoft.com/office/drawing/2014/main" val="2452418569"/>
+                  </a:ext>
+                </a:extLst>
+              </a:tr>
+              <a:tr h="671594">
+                <a:tc>
+                  <a:txBody>
+                    <a:bodyPr/>
+                    <a:lstStyle/>
+                    <a:p>
+                      <a:r>
+                        <a:rPr lang="en-US" dirty="0"/>
+                        <a:t>Boosting</a:t>
+                      </a:r>
+                      <a:endParaRPr lang="en-MY" dirty="0"/>
+                    </a:p>
+                  </a:txBody>
+                  <a:tcPr/>
+                </a:tc>
+                <a:tc>
+                  <a:txBody>
+                    <a:bodyPr/>
+                    <a:lstStyle/>
+                    <a:p>
+                      <a:r>
+                        <a:rPr lang="en-US" dirty="0"/>
+                        <a:t>Categorical/Continuous</a:t>
+                      </a:r>
+                      <a:endParaRPr lang="en-MY" dirty="0"/>
+                    </a:p>
+                  </a:txBody>
+                  <a:tcPr/>
+                </a:tc>
+                <a:tc>
+                  <a:txBody>
+                    <a:bodyPr/>
+                    <a:lstStyle/>
+                    <a:p>
+                      <a:r>
+                        <a:rPr lang="en-US" dirty="0"/>
+                        <a:t>Numerical/Categorical</a:t>
+                      </a:r>
+                      <a:endParaRPr lang="en-MY" dirty="0"/>
+                    </a:p>
+                  </a:txBody>
+                  <a:tcPr/>
+                </a:tc>
+                <a:tc>
+                  <a:txBody>
+                    <a:bodyPr/>
+                    <a:lstStyle/>
+                    <a:p>
+                      <a:r>
+                        <a:rPr lang="en-US" dirty="0"/>
+                        <a:t>Both</a:t>
+                      </a:r>
+                      <a:endParaRPr lang="en-MY" dirty="0"/>
+                    </a:p>
+                  </a:txBody>
+                  <a:tcPr/>
+                </a:tc>
+                <a:tc>
+                  <a:txBody>
+                    <a:bodyPr/>
+                    <a:lstStyle/>
+                    <a:p>
+                      <a:r>
+                        <a:rPr lang="en-US" dirty="0"/>
+                        <a:t>Supervised</a:t>
+                      </a:r>
+                      <a:endParaRPr lang="en-MY" dirty="0"/>
+                    </a:p>
+                  </a:txBody>
+                  <a:tcPr/>
+                </a:tc>
+                <a:tc>
+                  <a:txBody>
+                    <a:bodyPr/>
+                    <a:lstStyle/>
+                    <a:p>
+                      <a:endParaRPr lang="en-MY" dirty="0"/>
+                    </a:p>
+                  </a:txBody>
+                  <a:tcPr/>
+                </a:tc>
+                <a:tc>
+                  <a:txBody>
+                    <a:bodyPr/>
+                    <a:lstStyle/>
+                    <a:p>
+                      <a:endParaRPr lang="en-MY" dirty="0"/>
+                    </a:p>
+                  </a:txBody>
+                  <a:tcPr/>
+                </a:tc>
+                <a:extLst>
+                  <a:ext uri="{0D108BD9-81ED-4DB2-BD59-A6C34878D82A}">
+                    <a16:rowId xmlns:a16="http://schemas.microsoft.com/office/drawing/2014/main" val="3237841522"/>
+                  </a:ext>
+                </a:extLst>
+              </a:tr>
+              <a:tr h="959420">
+                <a:tc>
+                  <a:txBody>
+                    <a:bodyPr/>
+                    <a:lstStyle/>
+                    <a:p>
+                      <a:r>
+                        <a:rPr lang="en-US" dirty="0"/>
+                        <a:t>Support Vector Machine (SVM)</a:t>
+                      </a:r>
+                      <a:endParaRPr lang="en-MY" dirty="0"/>
+                    </a:p>
+                  </a:txBody>
+                  <a:tcPr/>
+                </a:tc>
+                <a:tc>
+                  <a:txBody>
+                    <a:bodyPr/>
+                    <a:lstStyle/>
+                    <a:p>
+                      <a:r>
+                        <a:rPr lang="en-US" dirty="0"/>
+                        <a:t>Categorical</a:t>
+                      </a:r>
+                      <a:endParaRPr lang="en-MY" dirty="0"/>
+                    </a:p>
+                  </a:txBody>
+                  <a:tcPr/>
+                </a:tc>
+                <a:tc>
+                  <a:txBody>
+                    <a:bodyPr/>
+                    <a:lstStyle/>
+                    <a:p>
+                      <a:r>
+                        <a:rPr lang="en-US" dirty="0"/>
+                        <a:t>Numerical</a:t>
+                      </a:r>
+                      <a:endParaRPr lang="en-MY" dirty="0"/>
+                    </a:p>
+                  </a:txBody>
+                  <a:tcPr/>
+                </a:tc>
+                <a:tc>
+                  <a:txBody>
+                    <a:bodyPr/>
+                    <a:lstStyle/>
+                    <a:p>
+                      <a:r>
+                        <a:rPr lang="en-US" dirty="0"/>
+                        <a:t>Classification</a:t>
+                      </a:r>
+                      <a:endParaRPr lang="en-MY" dirty="0"/>
+                    </a:p>
+                  </a:txBody>
+                  <a:tcPr/>
+                </a:tc>
+                <a:tc>
+                  <a:txBody>
+                    <a:bodyPr/>
+                    <a:lstStyle/>
+                    <a:p>
+                      <a:r>
+                        <a:rPr lang="en-US" dirty="0"/>
+                        <a:t>Supervised</a:t>
+                      </a:r>
+                      <a:endParaRPr lang="en-MY" dirty="0"/>
+                    </a:p>
+                  </a:txBody>
+                  <a:tcPr/>
+                </a:tc>
+                <a:tc>
+                  <a:txBody>
+                    <a:bodyPr/>
+                    <a:lstStyle/>
+                    <a:p>
+                      <a:endParaRPr lang="en-MY" dirty="0"/>
+                    </a:p>
+                  </a:txBody>
+                  <a:tcPr/>
+                </a:tc>
+                <a:tc>
+                  <a:txBody>
+                    <a:bodyPr/>
+                    <a:lstStyle/>
+                    <a:p>
+                      <a:endParaRPr lang="en-MY" dirty="0"/>
+                    </a:p>
+                  </a:txBody>
+                  <a:tcPr/>
+                </a:tc>
+                <a:extLst>
+                  <a:ext uri="{0D108BD9-81ED-4DB2-BD59-A6C34878D82A}">
+                    <a16:rowId xmlns:a16="http://schemas.microsoft.com/office/drawing/2014/main" val="3413963664"/>
+                  </a:ext>
+                </a:extLst>
+              </a:tr>
+              <a:tr h="959420">
+                <a:tc>
+                  <a:txBody>
+                    <a:bodyPr/>
+                    <a:lstStyle/>
+                    <a:p>
+                      <a:r>
+                        <a:rPr lang="en-US" dirty="0"/>
+                        <a:t>Principal Component Analysis (PCA)</a:t>
+                      </a:r>
+                      <a:endParaRPr lang="en-MY" dirty="0"/>
+                    </a:p>
+                  </a:txBody>
+                  <a:tcPr/>
+                </a:tc>
+                <a:tc>
+                  <a:txBody>
+                    <a:bodyPr/>
+                    <a:lstStyle/>
+                    <a:p>
+                      <a:r>
+                        <a:rPr lang="en-US" dirty="0"/>
+                        <a:t>N/A</a:t>
+                      </a:r>
+                      <a:endParaRPr lang="en-MY" dirty="0"/>
+                    </a:p>
+                  </a:txBody>
+                  <a:tcPr/>
+                </a:tc>
+                <a:tc>
+                  <a:txBody>
+                    <a:bodyPr/>
+                    <a:lstStyle/>
+                    <a:p>
+                      <a:r>
+                        <a:rPr lang="en-US" dirty="0"/>
+                        <a:t>Numerical</a:t>
+                      </a:r>
+                      <a:endParaRPr lang="en-MY" dirty="0"/>
+                    </a:p>
+                  </a:txBody>
+                  <a:tcPr/>
+                </a:tc>
+                <a:tc>
+                  <a:txBody>
+                    <a:bodyPr/>
+                    <a:lstStyle/>
+                    <a:p>
+                      <a:r>
+                        <a:rPr lang="en-US" dirty="0"/>
+                        <a:t>N/A</a:t>
+                      </a:r>
+                      <a:endParaRPr lang="en-MY" dirty="0"/>
+                    </a:p>
+                  </a:txBody>
+                  <a:tcPr/>
+                </a:tc>
+                <a:tc>
+                  <a:txBody>
+                    <a:bodyPr/>
+                    <a:lstStyle/>
+                    <a:p>
+                      <a:r>
+                        <a:rPr lang="en-US" dirty="0"/>
+                        <a:t>Unsupervised</a:t>
+                      </a:r>
+                      <a:endParaRPr lang="en-MY" dirty="0"/>
+                    </a:p>
+                  </a:txBody>
+                  <a:tcPr/>
+                </a:tc>
+                <a:tc>
+                  <a:txBody>
+                    <a:bodyPr/>
+                    <a:lstStyle/>
+                    <a:p>
+                      <a:endParaRPr lang="en-MY" dirty="0"/>
+                    </a:p>
+                  </a:txBody>
+                  <a:tcPr/>
+                </a:tc>
+                <a:tc>
+                  <a:txBody>
+                    <a:bodyPr/>
+                    <a:lstStyle/>
+                    <a:p>
+                      <a:endParaRPr lang="en-MY" dirty="0"/>
+                    </a:p>
+                  </a:txBody>
+                  <a:tcPr/>
+                </a:tc>
+                <a:extLst>
+                  <a:ext uri="{0D108BD9-81ED-4DB2-BD59-A6C34878D82A}">
+                    <a16:rowId xmlns:a16="http://schemas.microsoft.com/office/drawing/2014/main" val="1179742548"/>
+                  </a:ext>
+                </a:extLst>
+              </a:tr>
+              <a:tr h="959420">
+                <a:tc>
+                  <a:txBody>
+                    <a:bodyPr/>
+                    <a:lstStyle/>
+                    <a:p>
+                      <a:r>
+                        <a:rPr lang="en-US" dirty="0"/>
+                        <a:t>Clustering (K-Means)</a:t>
+                      </a:r>
+                      <a:endParaRPr lang="en-MY" dirty="0"/>
+                    </a:p>
+                  </a:txBody>
+                  <a:tcPr/>
+                </a:tc>
+                <a:tc>
+                  <a:txBody>
+                    <a:bodyPr/>
+                    <a:lstStyle/>
+                    <a:p>
+                      <a:r>
+                        <a:rPr lang="en-US" dirty="0"/>
+                        <a:t>N/A</a:t>
+                      </a:r>
+                      <a:endParaRPr lang="en-MY" dirty="0"/>
+                    </a:p>
+                  </a:txBody>
+                  <a:tcPr/>
+                </a:tc>
+                <a:tc>
+                  <a:txBody>
+                    <a:bodyPr/>
+                    <a:lstStyle/>
+                    <a:p>
+                      <a:r>
+                        <a:rPr lang="en-US" dirty="0"/>
+                        <a:t>Numerical</a:t>
+                      </a:r>
+                      <a:endParaRPr lang="en-MY" dirty="0"/>
+                    </a:p>
+                  </a:txBody>
+                  <a:tcPr/>
+                </a:tc>
+                <a:tc>
+                  <a:txBody>
+                    <a:bodyPr/>
+                    <a:lstStyle/>
+                    <a:p>
+                      <a:r>
+                        <a:rPr lang="en-US" dirty="0"/>
+                        <a:t>N/A</a:t>
+                      </a:r>
+                      <a:endParaRPr lang="en-MY" dirty="0"/>
+                    </a:p>
+                  </a:txBody>
+                  <a:tcPr/>
+                </a:tc>
+                <a:tc>
+                  <a:txBody>
+                    <a:bodyPr/>
+                    <a:lstStyle/>
+                    <a:p>
+                      <a:r>
+                        <a:rPr lang="en-US" dirty="0"/>
+                        <a:t>Unsupervised</a:t>
+                      </a:r>
+                      <a:endParaRPr lang="en-MY" dirty="0"/>
+                    </a:p>
+                  </a:txBody>
+                  <a:tcPr/>
+                </a:tc>
+                <a:tc>
+                  <a:txBody>
+                    <a:bodyPr/>
+                    <a:lstStyle/>
+                    <a:p>
+                      <a:endParaRPr lang="en-MY" dirty="0"/>
+                    </a:p>
+                  </a:txBody>
+                  <a:tcPr/>
+                </a:tc>
+                <a:tc>
+                  <a:txBody>
+                    <a:bodyPr/>
+                    <a:lstStyle/>
+                    <a:p>
+                      <a:endParaRPr lang="en-MY" dirty="0"/>
+                    </a:p>
+                  </a:txBody>
+                  <a:tcPr/>
+                </a:tc>
+                <a:extLst>
+                  <a:ext uri="{0D108BD9-81ED-4DB2-BD59-A6C34878D82A}">
+                    <a16:rowId xmlns:a16="http://schemas.microsoft.com/office/drawing/2014/main" val="355881352"/>
+                  </a:ext>
+                </a:extLst>
+              </a:tr>
+              <a:tr h="959420">
+                <a:tc>
+                  <a:txBody>
+                    <a:bodyPr/>
+                    <a:lstStyle/>
+                    <a:p>
+                      <a:r>
+                        <a:rPr lang="en-US" dirty="0"/>
+                        <a:t> Neural Network</a:t>
+                      </a:r>
+                      <a:endParaRPr lang="en-MY" dirty="0"/>
+                    </a:p>
+                  </a:txBody>
+                  <a:tcPr/>
+                </a:tc>
+                <a:tc>
+                  <a:txBody>
+                    <a:bodyPr/>
+                    <a:lstStyle/>
+                    <a:p>
+                      <a:r>
+                        <a:rPr lang="en-US" dirty="0"/>
+                        <a:t>Categorical/Continuous</a:t>
+                      </a:r>
+                      <a:endParaRPr lang="en-MY" dirty="0"/>
+                    </a:p>
+                  </a:txBody>
+                  <a:tcPr/>
+                </a:tc>
+                <a:tc>
+                  <a:txBody>
+                    <a:bodyPr/>
+                    <a:lstStyle/>
+                    <a:p>
+                      <a:r>
+                        <a:rPr lang="en-US" dirty="0"/>
+                        <a:t>Numerical</a:t>
+                      </a:r>
+                      <a:endParaRPr lang="en-MY" dirty="0"/>
+                    </a:p>
+                  </a:txBody>
+                  <a:tcPr/>
+                </a:tc>
+                <a:tc>
+                  <a:txBody>
+                    <a:bodyPr/>
+                    <a:lstStyle/>
+                    <a:p>
+                      <a:r>
+                        <a:rPr lang="en-US" dirty="0"/>
+                        <a:t>Both</a:t>
+                      </a:r>
+                      <a:endParaRPr lang="en-MY" dirty="0"/>
+                    </a:p>
+                  </a:txBody>
+                  <a:tcPr/>
+                </a:tc>
+                <a:tc>
+                  <a:txBody>
+                    <a:bodyPr/>
+                    <a:lstStyle/>
+                    <a:p>
+                      <a:r>
+                        <a:rPr lang="en-US" dirty="0"/>
+                        <a:t>Supervised</a:t>
+                      </a:r>
+                      <a:endParaRPr lang="en-MY" dirty="0"/>
+                    </a:p>
+                  </a:txBody>
+                  <a:tcPr/>
+                </a:tc>
+                <a:tc>
+                  <a:txBody>
+                    <a:bodyPr/>
+                    <a:lstStyle/>
+                    <a:p>
+                      <a:endParaRPr lang="en-MY" dirty="0"/>
+                    </a:p>
+                  </a:txBody>
+                  <a:tcPr/>
+                </a:tc>
+                <a:tc>
+                  <a:txBody>
+                    <a:bodyPr/>
+                    <a:lstStyle/>
+                    <a:p>
+                      <a:endParaRPr lang="en-MY" dirty="0"/>
+                    </a:p>
+                  </a:txBody>
+                  <a:tcPr/>
+                </a:tc>
+                <a:extLst>
+                  <a:ext uri="{0D108BD9-81ED-4DB2-BD59-A6C34878D82A}">
+                    <a16:rowId xmlns:a16="http://schemas.microsoft.com/office/drawing/2014/main" val="1959226609"/>
+                  </a:ext>
+                </a:extLst>
+              </a:tr>
+              <a:tr h="959420">
+                <a:tc>
+                  <a:txBody>
+                    <a:bodyPr/>
+                    <a:lstStyle/>
+                    <a:p>
+                      <a:r>
+                        <a:rPr lang="en-US" dirty="0"/>
+                        <a:t>Random Forest</a:t>
+                      </a:r>
+                      <a:endParaRPr lang="en-MY" dirty="0"/>
+                    </a:p>
+                  </a:txBody>
+                  <a:tcPr/>
+                </a:tc>
+                <a:tc>
+                  <a:txBody>
+                    <a:bodyPr/>
+                    <a:lstStyle/>
+                    <a:p>
+                      <a:r>
+                        <a:rPr lang="en-US" dirty="0"/>
+                        <a:t>Categorical/Continuous</a:t>
+                      </a:r>
+                      <a:endParaRPr lang="en-MY" dirty="0"/>
+                    </a:p>
+                  </a:txBody>
+                  <a:tcPr/>
+                </a:tc>
+                <a:tc>
+                  <a:txBody>
+                    <a:bodyPr/>
+                    <a:lstStyle/>
+                    <a:p>
+                      <a:r>
+                        <a:rPr lang="en-US" dirty="0"/>
+                        <a:t>Numerical/Category</a:t>
+                      </a:r>
+                      <a:endParaRPr lang="en-MY" dirty="0"/>
+                    </a:p>
+                  </a:txBody>
+                  <a:tcPr/>
+                </a:tc>
+                <a:tc>
+                  <a:txBody>
+                    <a:bodyPr/>
+                    <a:lstStyle/>
+                    <a:p>
+                      <a:r>
+                        <a:rPr lang="en-US" dirty="0"/>
+                        <a:t>Both</a:t>
+                      </a:r>
+                      <a:endParaRPr lang="en-MY" dirty="0"/>
+                    </a:p>
+                  </a:txBody>
+                  <a:tcPr/>
+                </a:tc>
+                <a:tc>
+                  <a:txBody>
+                    <a:bodyPr/>
+                    <a:lstStyle/>
+                    <a:p>
+                      <a:r>
+                        <a:rPr lang="en-US" dirty="0"/>
+                        <a:t>Supervised</a:t>
+                      </a:r>
+                      <a:endParaRPr lang="en-MY" dirty="0"/>
+                    </a:p>
+                  </a:txBody>
+                  <a:tcPr/>
+                </a:tc>
+                <a:tc>
+                  <a:txBody>
+                    <a:bodyPr/>
+                    <a:lstStyle/>
+                    <a:p>
+                      <a:endParaRPr lang="en-MY" dirty="0"/>
+                    </a:p>
+                  </a:txBody>
+                  <a:tcPr/>
+                </a:tc>
+                <a:tc>
+                  <a:txBody>
+                    <a:bodyPr/>
+                    <a:lstStyle/>
+                    <a:p>
+                      <a:endParaRPr lang="en-MY" dirty="0"/>
+                    </a:p>
+                  </a:txBody>
+                  <a:tcPr/>
+                </a:tc>
+                <a:extLst>
+                  <a:ext uri="{0D108BD9-81ED-4DB2-BD59-A6C34878D82A}">
+                    <a16:rowId xmlns:a16="http://schemas.microsoft.com/office/drawing/2014/main" val="3478211886"/>
+                  </a:ext>
+                </a:extLst>
+              </a:tr>
+            </a:tbl>
+          </a:graphicData>
+        </a:graphic>
+      </p:graphicFrame>
+    </p:spTree>
+    <p:extLst>
+      <p:ext uri="{BB962C8B-B14F-4D97-AF65-F5344CB8AC3E}">
+        <p14:creationId xmlns:p14="http://schemas.microsoft.com/office/powerpoint/2010/main" val="1035257868"/>
+      </p:ext>
+    </p:extLst>
+  </p:cSld>
+  <p:clrMapOvr>
+    <a:masterClrMapping/>
+  </p:clrMapOvr>
+</p:sld>
+</file>
+
+<file path=ppt/slides/slide9.xml><?xml version="1.0" encoding="utf-8"?>
+<p:sld xmlns:a="http://schemas.openxmlformats.org/drawingml/2006/main" xmlns:r="http://schemas.openxmlformats.org/officeDocument/2006/relationships" xmlns:p="http://schemas.openxmlformats.org/presentationml/2006/main">
+  <p:cSld>
+    <p:spTree>
+      <p:nvGrpSpPr>
+        <p:cNvPr id="1" name=""/>
+        <p:cNvGrpSpPr/>
+        <p:nvPr/>
+      </p:nvGrpSpPr>
+      <p:grpSpPr>
+        <a:xfrm>
+          <a:off x="0" y="0"/>
+          <a:ext cx="0" cy="0"/>
+          <a:chOff x="0" y="0"/>
+          <a:chExt cx="0" cy="0"/>
+        </a:xfrm>
+      </p:grpSpPr>
+      <p:sp>
+        <p:nvSpPr>
+          <p:cNvPr id="2" name="Rectangle: Rounded Corners 1">
+            <a:extLst>
+              <a:ext uri="{FF2B5EF4-FFF2-40B4-BE49-F238E27FC236}">
+                <a16:creationId xmlns:a16="http://schemas.microsoft.com/office/drawing/2014/main" id="{1D0AF1C4-3088-102B-109B-80E5BAB44B0D}"/>
+              </a:ext>
+            </a:extLst>
+          </p:cNvPr>
+          <p:cNvSpPr/>
+          <p:nvPr/>
+        </p:nvSpPr>
+        <p:spPr>
+          <a:xfrm>
+            <a:off x="3691690" y="2971800"/>
+            <a:ext cx="1443789" cy="914400"/>
+          </a:xfrm>
+          <a:prstGeom prst="roundRect">
+            <a:avLst/>
+          </a:prstGeom>
+        </p:spPr>
+        <p:style>
+          <a:lnRef idx="2">
+            <a:schemeClr val="accent1">
+              <a:shade val="15000"/>
+            </a:schemeClr>
+          </a:lnRef>
+          <a:fillRef idx="1">
+            <a:schemeClr val="accent1"/>
+          </a:fillRef>
+          <a:effectRef idx="0">
+            <a:schemeClr val="accent1"/>
+          </a:effectRef>
+          <a:fontRef idx="minor">
+            <a:schemeClr val="lt1"/>
+          </a:fontRef>
+        </p:style>
+        <p:txBody>
+          <a:bodyPr rtlCol="0" anchor="ctr"/>
+          <a:lstStyle/>
+          <a:p>
+            <a:pPr algn="ctr"/>
+            <a:r>
+              <a:rPr lang="en-US" dirty="0"/>
+              <a:t>Non-Linear Regression</a:t>
+            </a:r>
+            <a:endParaRPr lang="en-MY" dirty="0"/>
+          </a:p>
+        </p:txBody>
+      </p:sp>
+    </p:spTree>
+    <p:extLst>
+      <p:ext uri="{BB962C8B-B14F-4D97-AF65-F5344CB8AC3E}">
+        <p14:creationId xmlns:p14="http://schemas.microsoft.com/office/powerpoint/2010/main" val="1560862686"/>
       </p:ext>
     </p:extLst>
   </p:cSld>
